--- a/RxSwiftBasics/day2/RxSwiftBasics2.pptx
+++ b/RxSwiftBasics/day2/RxSwiftBasics2.pptx
@@ -5,20 +5,21 @@
     <p:sldMasterId id="2147483657" r:id="rId1"/>
   </p:sldMasterIdLst>
   <p:notesMasterIdLst>
-    <p:notesMasterId r:id="rId13"/>
+    <p:notesMasterId r:id="rId14"/>
   </p:notesMasterIdLst>
   <p:sldIdLst>
     <p:sldId id="256" r:id="rId2"/>
-    <p:sldId id="329" r:id="rId3"/>
-    <p:sldId id="330" r:id="rId4"/>
-    <p:sldId id="331" r:id="rId5"/>
-    <p:sldId id="332" r:id="rId6"/>
-    <p:sldId id="337" r:id="rId7"/>
-    <p:sldId id="333" r:id="rId8"/>
-    <p:sldId id="334" r:id="rId9"/>
-    <p:sldId id="335" r:id="rId10"/>
-    <p:sldId id="336" r:id="rId11"/>
-    <p:sldId id="338" r:id="rId12"/>
+    <p:sldId id="339" r:id="rId3"/>
+    <p:sldId id="329" r:id="rId4"/>
+    <p:sldId id="330" r:id="rId5"/>
+    <p:sldId id="331" r:id="rId6"/>
+    <p:sldId id="332" r:id="rId7"/>
+    <p:sldId id="337" r:id="rId8"/>
+    <p:sldId id="333" r:id="rId9"/>
+    <p:sldId id="334" r:id="rId10"/>
+    <p:sldId id="335" r:id="rId11"/>
+    <p:sldId id="336" r:id="rId12"/>
+    <p:sldId id="338" r:id="rId13"/>
   </p:sldIdLst>
   <p:sldSz cx="9144000" cy="5143500" type="screen16x9"/>
   <p:notesSz cx="6858000" cy="9144000"/>
@@ -710,6 +711,107 @@
 </file>
 
 <file path=ppt/notesSlides/notesSlide11.xml><?xml version="1.0" encoding="utf-8"?>
+<p:notes xmlns:a="http://schemas.openxmlformats.org/drawingml/2006/main" xmlns:r="http://schemas.openxmlformats.org/officeDocument/2006/relationships" xmlns:p="http://schemas.openxmlformats.org/presentationml/2006/main" showMasterSp="0" showMasterPhAnim="0">
+  <p:cSld>
+    <p:spTree>
+      <p:nvGrpSpPr>
+        <p:cNvPr id="1" name="Shape 185"/>
+        <p:cNvGrpSpPr/>
+        <p:nvPr/>
+      </p:nvGrpSpPr>
+      <p:grpSpPr>
+        <a:xfrm>
+          <a:off x="0" y="0"/>
+          <a:ext cx="0" cy="0"/>
+          <a:chOff x="0" y="0"/>
+          <a:chExt cx="0" cy="0"/>
+        </a:xfrm>
+      </p:grpSpPr>
+      <p:sp>
+        <p:nvSpPr>
+          <p:cNvPr id="186" name="Shape 186"/>
+          <p:cNvSpPr>
+            <a:spLocks noGrp="1" noRot="1" noChangeAspect="1"/>
+          </p:cNvSpPr>
+          <p:nvPr>
+            <p:ph type="sldImg" idx="2"/>
+          </p:nvPr>
+        </p:nvSpPr>
+        <p:spPr>
+          <a:xfrm>
+            <a:off x="381000" y="685800"/>
+            <a:ext cx="6096000" cy="3429000"/>
+          </a:xfrm>
+          <a:custGeom>
+            <a:avLst/>
+            <a:gdLst/>
+            <a:ahLst/>
+            <a:cxnLst/>
+            <a:rect l="0" t="0" r="0" b="0"/>
+            <a:pathLst>
+              <a:path w="120000" h="120000" extrusionOk="0">
+                <a:moveTo>
+                  <a:pt x="0" y="0"/>
+                </a:moveTo>
+                <a:lnTo>
+                  <a:pt x="120000" y="0"/>
+                </a:lnTo>
+                <a:lnTo>
+                  <a:pt x="120000" y="120000"/>
+                </a:lnTo>
+                <a:lnTo>
+                  <a:pt x="0" y="120000"/>
+                </a:lnTo>
+                <a:close/>
+              </a:path>
+            </a:pathLst>
+          </a:custGeom>
+        </p:spPr>
+      </p:sp>
+      <p:sp>
+        <p:nvSpPr>
+          <p:cNvPr id="187" name="Shape 187"/>
+          <p:cNvSpPr txBox="1">
+            <a:spLocks noGrp="1"/>
+          </p:cNvSpPr>
+          <p:nvPr>
+            <p:ph type="body" idx="1"/>
+          </p:nvPr>
+        </p:nvSpPr>
+        <p:spPr>
+          <a:xfrm>
+            <a:off x="685800" y="4343400"/>
+            <a:ext cx="5486400" cy="4114800"/>
+          </a:xfrm>
+          <a:prstGeom prst="rect">
+            <a:avLst/>
+          </a:prstGeom>
+        </p:spPr>
+        <p:txBody>
+          <a:bodyPr wrap="square" lIns="91425" tIns="91425" rIns="91425" bIns="91425" anchor="t" anchorCtr="0">
+            <a:noAutofit/>
+          </a:bodyPr>
+          <a:lstStyle/>
+          <a:p>
+            <a:pPr lvl="0">
+              <a:spcBef>
+                <a:spcPts val="0"/>
+              </a:spcBef>
+              <a:buNone/>
+            </a:pPr>
+            <a:endParaRPr/>
+          </a:p>
+        </p:txBody>
+      </p:sp>
+    </p:spTree>
+  </p:cSld>
+  <p:clrMapOvr>
+    <a:masterClrMapping/>
+  </p:clrMapOvr>
+</p:notes>
+</file>
+
+<file path=ppt/notesSlides/notesSlide12.xml><?xml version="1.0" encoding="utf-8"?>
 <p:notes xmlns:a="http://schemas.openxmlformats.org/drawingml/2006/main" xmlns:r="http://schemas.openxmlformats.org/officeDocument/2006/relationships" xmlns:p="http://schemas.openxmlformats.org/presentationml/2006/main" showMasterSp="0" showMasterPhAnim="0">
   <p:cSld>
     <p:spTree>
@@ -4356,7 +4458,7 @@
             </a:r>
             <a:r>
               <a:rPr lang="en-US" dirty="0" smtClean="0"/>
-              <a:t> - 4</a:t>
+              <a:t> - 3</a:t>
             </a:r>
             <a:endParaRPr lang="en" dirty="0"/>
           </a:p>
@@ -4433,7 +4535,7 @@
       </p:pic>
       <p:pic>
         <p:nvPicPr>
-          <p:cNvPr id="4" name="Picture 3" descr="Screen Shot 2018-04-28 at 10.54.12 PM.png"/>
+          <p:cNvPr id="3" name="Picture 2" descr="Screen Shot 2018-04-28 at 10.53.14 PM.png"/>
           <p:cNvPicPr>
             <a:picLocks noChangeAspect="1"/>
           </p:cNvPicPr>
@@ -4453,8 +4555,8 @@
         </p:blipFill>
         <p:spPr>
           <a:xfrm>
-            <a:off x="1215438" y="1158774"/>
-            <a:ext cx="4179577" cy="3984725"/>
+            <a:off x="1516530" y="1158775"/>
+            <a:ext cx="4304665" cy="3984724"/>
           </a:xfrm>
           <a:prstGeom prst="rect">
             <a:avLst/>
@@ -4464,7 +4566,7 @@
     </p:spTree>
     <p:extLst>
       <p:ext uri="{BB962C8B-B14F-4D97-AF65-F5344CB8AC3E}">
-        <p14:creationId xmlns:p14="http://schemas.microsoft.com/office/powerpoint/2010/main" val="1991800521"/>
+        <p14:creationId xmlns:p14="http://schemas.microsoft.com/office/powerpoint/2010/main" val="1139717155"/>
       </p:ext>
     </p:extLst>
   </p:cSld>
@@ -4530,8 +4632,28 @@
               <a:buNone/>
             </a:pPr>
             <a:r>
+              <a:rPr lang="en-US" dirty="0" err="1" smtClean="0"/>
+              <a:t>flatMap</a:t>
+            </a:r>
+            <a:r>
               <a:rPr lang="en-US" dirty="0" smtClean="0"/>
-              <a:t>Lab -2</a:t>
+              <a:t>, </a:t>
+            </a:r>
+            <a:r>
+              <a:rPr lang="en-US" dirty="0" err="1" smtClean="0"/>
+              <a:t>flatMapFirst</a:t>
+            </a:r>
+            <a:r>
+              <a:rPr lang="en-US" dirty="0" smtClean="0"/>
+              <a:t>, </a:t>
+            </a:r>
+            <a:r>
+              <a:rPr lang="en-US" dirty="0" err="1" smtClean="0"/>
+              <a:t>flatMapLatest</a:t>
+            </a:r>
+            <a:r>
+              <a:rPr lang="en-US" dirty="0" smtClean="0"/>
+              <a:t> - 4</a:t>
             </a:r>
             <a:endParaRPr lang="en" dirty="0"/>
           </a:p>
@@ -4571,6 +4693,181 @@
             <a:fld id="{00000000-1234-1234-1234-123412341234}" type="slidenum">
               <a:rPr lang="en"/>
               <a:t>11</a:t>
+            </a:fld>
+            <a:endParaRPr lang="en"/>
+          </a:p>
+        </p:txBody>
+      </p:sp>
+      <p:pic>
+        <p:nvPicPr>
+          <p:cNvPr id="2" name="Picture 1" descr="Rx_Logo_M.png"/>
+          <p:cNvPicPr>
+            <a:picLocks noChangeAspect="1"/>
+          </p:cNvPicPr>
+          <p:nvPr/>
+        </p:nvPicPr>
+        <p:blipFill>
+          <a:blip r:embed="rId3">
+            <a:extLst>
+              <a:ext uri="{28A0092B-C50C-407E-A947-70E740481C1C}">
+                <a14:useLocalDpi xmlns:a14="http://schemas.microsoft.com/office/drawing/2010/main" val="0"/>
+              </a:ext>
+            </a:extLst>
+          </a:blip>
+          <a:stretch>
+            <a:fillRect/>
+          </a:stretch>
+        </p:blipFill>
+        <p:spPr>
+          <a:xfrm>
+            <a:off x="151129" y="442005"/>
+            <a:ext cx="663146" cy="663146"/>
+          </a:xfrm>
+          <a:prstGeom prst="rect">
+            <a:avLst/>
+          </a:prstGeom>
+        </p:spPr>
+      </p:pic>
+      <p:pic>
+        <p:nvPicPr>
+          <p:cNvPr id="4" name="Picture 3" descr="Screen Shot 2018-04-28 at 10.54.12 PM.png"/>
+          <p:cNvPicPr>
+            <a:picLocks noChangeAspect="1"/>
+          </p:cNvPicPr>
+          <p:nvPr/>
+        </p:nvPicPr>
+        <p:blipFill>
+          <a:blip r:embed="rId4">
+            <a:extLst>
+              <a:ext uri="{28A0092B-C50C-407E-A947-70E740481C1C}">
+                <a14:useLocalDpi xmlns:a14="http://schemas.microsoft.com/office/drawing/2010/main" val="0"/>
+              </a:ext>
+            </a:extLst>
+          </a:blip>
+          <a:stretch>
+            <a:fillRect/>
+          </a:stretch>
+        </p:blipFill>
+        <p:spPr>
+          <a:xfrm>
+            <a:off x="1215438" y="1158774"/>
+            <a:ext cx="4179577" cy="3984725"/>
+          </a:xfrm>
+          <a:prstGeom prst="rect">
+            <a:avLst/>
+          </a:prstGeom>
+        </p:spPr>
+      </p:pic>
+    </p:spTree>
+    <p:extLst>
+      <p:ext uri="{BB962C8B-B14F-4D97-AF65-F5344CB8AC3E}">
+        <p14:creationId xmlns:p14="http://schemas.microsoft.com/office/powerpoint/2010/main" val="1991800521"/>
+      </p:ext>
+    </p:extLst>
+  </p:cSld>
+  <p:clrMapOvr>
+    <a:masterClrMapping/>
+  </p:clrMapOvr>
+  <p:timing>
+    <p:tnLst>
+      <p:par>
+        <p:cTn xmlns:p14="http://schemas.microsoft.com/office/powerpoint/2010/main" id="1" dur="indefinite" restart="never" nodeType="tmRoot"/>
+      </p:par>
+    </p:tnLst>
+  </p:timing>
+</p:sld>
+</file>
+
+<file path=ppt/slides/slide12.xml><?xml version="1.0" encoding="utf-8"?>
+<p:sld xmlns:a="http://schemas.openxmlformats.org/drawingml/2006/main" xmlns:r="http://schemas.openxmlformats.org/officeDocument/2006/relationships" xmlns:p="http://schemas.openxmlformats.org/presentationml/2006/main">
+  <p:cSld>
+    <p:spTree>
+      <p:nvGrpSpPr>
+        <p:cNvPr id="1" name="Shape 188"/>
+        <p:cNvGrpSpPr/>
+        <p:nvPr/>
+      </p:nvGrpSpPr>
+      <p:grpSpPr>
+        <a:xfrm>
+          <a:off x="0" y="0"/>
+          <a:ext cx="0" cy="0"/>
+          <a:chOff x="0" y="0"/>
+          <a:chExt cx="0" cy="0"/>
+        </a:xfrm>
+      </p:grpSpPr>
+      <p:sp>
+        <p:nvSpPr>
+          <p:cNvPr id="189" name="Shape 189"/>
+          <p:cNvSpPr txBox="1">
+            <a:spLocks noGrp="1"/>
+          </p:cNvSpPr>
+          <p:nvPr>
+            <p:ph type="title"/>
+          </p:nvPr>
+        </p:nvSpPr>
+        <p:spPr>
+          <a:xfrm>
+            <a:off x="814275" y="392575"/>
+            <a:ext cx="5258400" cy="766200"/>
+          </a:xfrm>
+          <a:prstGeom prst="rect">
+            <a:avLst/>
+          </a:prstGeom>
+        </p:spPr>
+        <p:txBody>
+          <a:bodyPr wrap="square" lIns="91425" tIns="91425" rIns="91425" bIns="91425" anchor="ctr" anchorCtr="0">
+            <a:noAutofit/>
+          </a:bodyPr>
+          <a:lstStyle/>
+          <a:p>
+            <a:pPr lvl="0" rtl="0">
+              <a:spcBef>
+                <a:spcPts val="0"/>
+              </a:spcBef>
+              <a:buNone/>
+            </a:pPr>
+            <a:r>
+              <a:rPr lang="en-US" dirty="0" smtClean="0"/>
+              <a:t>Lab -2</a:t>
+            </a:r>
+            <a:endParaRPr lang="en" dirty="0"/>
+          </a:p>
+        </p:txBody>
+      </p:sp>
+      <p:sp>
+        <p:nvSpPr>
+          <p:cNvPr id="192" name="Shape 192"/>
+          <p:cNvSpPr txBox="1">
+            <a:spLocks noGrp="1"/>
+          </p:cNvSpPr>
+          <p:nvPr>
+            <p:ph type="sldNum" idx="12"/>
+          </p:nvPr>
+        </p:nvSpPr>
+        <p:spPr>
+          <a:xfrm>
+            <a:off x="7618000" y="4636500"/>
+            <a:ext cx="1487400" cy="315600"/>
+          </a:xfrm>
+          <a:prstGeom prst="rect">
+            <a:avLst/>
+          </a:prstGeom>
+        </p:spPr>
+        <p:txBody>
+          <a:bodyPr wrap="square" lIns="91425" tIns="91425" rIns="91425" bIns="91425" anchor="ctr" anchorCtr="0">
+            <a:noAutofit/>
+          </a:bodyPr>
+          <a:lstStyle/>
+          <a:p>
+            <a:pPr lvl="0">
+              <a:spcBef>
+                <a:spcPts val="0"/>
+              </a:spcBef>
+              <a:buNone/>
+            </a:pPr>
+            <a:fld id="{00000000-1234-1234-1234-123412341234}" type="slidenum">
+              <a:rPr lang="en"/>
+              <a:t>12</a:t>
             </a:fld>
             <a:endParaRPr lang="en"/>
           </a:p>
@@ -4721,8 +5018,12 @@
               <a:buNone/>
             </a:pPr>
             <a:r>
+              <a:rPr lang="en-US" dirty="0" err="1" smtClean="0"/>
+              <a:t>RxSwift</a:t>
+            </a:r>
+            <a:r>
               <a:rPr lang="en-US" dirty="0" smtClean="0"/>
-              <a:t>Subject</a:t>
+              <a:t> Basics</a:t>
             </a:r>
             <a:endParaRPr lang="en" dirty="0"/>
           </a:p>
@@ -4799,7 +5100,7 @@
       </p:pic>
       <p:sp>
         <p:nvSpPr>
-          <p:cNvPr id="7" name="Shape 237"/>
+          <p:cNvPr id="9" name="Shape 237"/>
           <p:cNvSpPr txBox="1">
             <a:spLocks noGrp="1"/>
           </p:cNvSpPr>
@@ -4809,8 +5110,8 @@
         </p:nvSpPr>
         <p:spPr>
           <a:xfrm>
-            <a:off x="814274" y="1626347"/>
-            <a:ext cx="6941095" cy="2245437"/>
+            <a:off x="554601" y="1650424"/>
+            <a:ext cx="8115791" cy="2862119"/>
           </a:xfrm>
           <a:prstGeom prst="rect">
             <a:avLst/>
@@ -4822,82 +5123,179 @@
           </a:bodyPr>
           <a:lstStyle/>
           <a:p>
-            <a:pPr>
-              <a:buNone/>
-            </a:pPr>
+            <a:r>
+              <a:rPr lang="en-US" dirty="0" smtClean="0"/>
+              <a:t>Day 1 </a:t>
+            </a:r>
+            <a:r>
+              <a:rPr lang="mr-IN" dirty="0" smtClean="0"/>
+              <a:t>–</a:t>
+            </a:r>
+            <a:r>
+              <a:rPr lang="en-US" dirty="0" smtClean="0"/>
+              <a:t> Observable, Operator (Filter, Transform, Combine</a:t>
+            </a:r>
+            <a:r>
+              <a:rPr lang="en-US" dirty="0" smtClean="0"/>
+              <a:t>)</a:t>
+            </a:r>
+            <a:endParaRPr lang="en-US" b="1" dirty="0" smtClean="0"/>
+          </a:p>
+          <a:p>
             <a:r>
               <a:rPr lang="en-US" b="1" dirty="0"/>
-              <a:t>Observable </a:t>
+              <a:t>Day </a:t>
+            </a:r>
+            <a:r>
+              <a:rPr lang="en-US" b="1" dirty="0" smtClean="0"/>
+              <a:t>2 </a:t>
+            </a:r>
+            <a:r>
+              <a:rPr lang="mr-IN" b="1" dirty="0"/>
+              <a:t>–</a:t>
+            </a:r>
+            <a:r>
+              <a:rPr lang="en-US" b="1" dirty="0"/>
+              <a:t> </a:t>
+            </a:r>
+            <a:r>
+              <a:rPr lang="en-US" b="1" dirty="0" smtClean="0"/>
+              <a:t>Subject (</a:t>
+            </a:r>
+            <a:r>
+              <a:rPr lang="en-US" b="1" dirty="0" err="1" smtClean="0"/>
+              <a:t>flatMap</a:t>
+            </a:r>
+            <a:r>
+              <a:rPr lang="en-US" b="1" dirty="0" smtClean="0"/>
+              <a:t>, </a:t>
+            </a:r>
+            <a:r>
+              <a:rPr lang="en-US" b="1" dirty="0" err="1" smtClean="0"/>
+              <a:t>flatMapFirst</a:t>
+            </a:r>
+            <a:r>
+              <a:rPr lang="en-US" b="1" dirty="0" smtClean="0"/>
+              <a:t>, </a:t>
+            </a:r>
+            <a:r>
+              <a:rPr lang="en-US" b="1" dirty="0" err="1" smtClean="0"/>
+              <a:t>flatMapLatest</a:t>
+            </a:r>
+            <a:r>
+              <a:rPr lang="en-US" b="1" dirty="0" smtClean="0"/>
+              <a:t>)</a:t>
+            </a:r>
+          </a:p>
+          <a:p>
+            <a:endParaRPr lang="en-US" b="1" dirty="0"/>
+          </a:p>
+          <a:p>
+            <a:r>
+              <a:rPr lang="en-US" dirty="0"/>
+              <a:t>Day </a:t>
+            </a:r>
+            <a:r>
+              <a:rPr lang="en-US" dirty="0" smtClean="0"/>
+              <a:t>3 </a:t>
+            </a:r>
+            <a:r>
+              <a:rPr lang="mr-IN" dirty="0"/>
+              <a:t>–</a:t>
+            </a:r>
+            <a:r>
+              <a:rPr lang="en-US" dirty="0"/>
+              <a:t> </a:t>
+            </a:r>
+            <a:r>
+              <a:rPr lang="en-US" dirty="0" smtClean="0"/>
+              <a:t>Two VCs communications with Subject, </a:t>
+            </a:r>
+            <a:r>
+              <a:rPr lang="en-US" dirty="0" err="1" smtClean="0"/>
+              <a:t>RxCocoa</a:t>
+            </a:r>
+            <a:r>
+              <a:rPr lang="en-US" dirty="0" smtClean="0"/>
+              <a:t> (Button)</a:t>
             </a:r>
             <a:endParaRPr lang="en-US" dirty="0"/>
           </a:p>
           <a:p>
-            <a:pPr>
-              <a:buNone/>
-            </a:pPr>
-            <a:r>
-              <a:rPr lang="en-US" b="1" dirty="0" smtClean="0"/>
-              <a:t>Observer </a:t>
+            <a:r>
+              <a:rPr lang="en-US" dirty="0"/>
+              <a:t>Day </a:t>
             </a:r>
             <a:r>
               <a:rPr lang="en-US" dirty="0" smtClean="0"/>
+              <a:t>4 </a:t>
+            </a:r>
+            <a:r>
+              <a:rPr lang="mr-IN" dirty="0"/>
+              <a:t>–</a:t>
+            </a:r>
+            <a:r>
+              <a:rPr lang="en-US" dirty="0"/>
               <a:t> </a:t>
             </a:r>
+            <a:r>
+              <a:rPr lang="en-US" dirty="0" smtClean="0"/>
+              <a:t>Sequential, Merged Observable Calls</a:t>
+            </a:r>
+            <a:endParaRPr lang="en-US" dirty="0"/>
           </a:p>
           <a:p>
-            <a:pPr>
-              <a:buNone/>
-            </a:pPr>
-            <a:r>
-              <a:rPr lang="en-US" b="1" dirty="0" err="1" smtClean="0"/>
-              <a:t>PublishSubject</a:t>
-            </a:r>
-            <a:r>
-              <a:rPr lang="en-US" b="1" dirty="0" smtClean="0"/>
-              <a:t>, </a:t>
-            </a:r>
-            <a:r>
-              <a:rPr lang="en-US" b="1" dirty="0" err="1" smtClean="0"/>
-              <a:t>BehaviorSubject</a:t>
-            </a:r>
-            <a:r>
-              <a:rPr lang="en-US" b="1" dirty="0" smtClean="0"/>
-              <a:t>, </a:t>
-            </a:r>
-            <a:r>
-              <a:rPr lang="en-US" b="1" dirty="0" err="1" smtClean="0"/>
-              <a:t>ReplaySubject</a:t>
-            </a:r>
-            <a:endParaRPr lang="en-US" b="1" dirty="0" smtClean="0"/>
+            <a:r>
+              <a:rPr lang="en-US" dirty="0"/>
+              <a:t>Day </a:t>
+            </a:r>
+            <a:r>
+              <a:rPr lang="en-US" dirty="0" smtClean="0"/>
+              <a:t>5 </a:t>
+            </a:r>
+            <a:r>
+              <a:rPr lang="mr-IN" dirty="0"/>
+              <a:t>–</a:t>
+            </a:r>
+            <a:r>
+              <a:rPr lang="en-US" dirty="0"/>
+              <a:t> </a:t>
+            </a:r>
+            <a:r>
+              <a:rPr lang="en-US" dirty="0" err="1" smtClean="0"/>
+              <a:t>RxCocoa</a:t>
+            </a:r>
+            <a:r>
+              <a:rPr lang="en-US" dirty="0" smtClean="0"/>
+              <a:t>, UI Binding (Button, </a:t>
+            </a:r>
+            <a:r>
+              <a:rPr lang="en-US" dirty="0" err="1" smtClean="0"/>
+              <a:t>TextField</a:t>
+            </a:r>
+            <a:r>
+              <a:rPr lang="en-US" dirty="0" smtClean="0"/>
+              <a:t>, Label, </a:t>
+            </a:r>
+            <a:r>
+              <a:rPr lang="en-US" dirty="0" err="1" smtClean="0"/>
+              <a:t>TableView</a:t>
+            </a:r>
+            <a:r>
+              <a:rPr lang="en-US" dirty="0" smtClean="0"/>
+              <a:t>)</a:t>
+            </a:r>
+            <a:endParaRPr lang="en-US" dirty="0"/>
           </a:p>
           <a:p>
-            <a:pPr>
-              <a:buNone/>
-            </a:pPr>
-            <a:r>
-              <a:rPr lang="en-US" b="1" dirty="0" err="1" smtClean="0"/>
-              <a:t>PublishRelay</a:t>
-            </a:r>
-            <a:r>
-              <a:rPr lang="en-US" b="1" dirty="0" smtClean="0"/>
-              <a:t>, </a:t>
-            </a:r>
-            <a:r>
-              <a:rPr lang="en-US" b="1" dirty="0" err="1" smtClean="0"/>
-              <a:t>BehaviorRelay</a:t>
-            </a:r>
-            <a:r>
-              <a:rPr lang="en-US" b="1" dirty="0" smtClean="0"/>
-              <a:t> (Variable)</a:t>
-            </a:r>
-            <a:endParaRPr lang="en-US" dirty="0"/>
+            <a:endParaRPr lang="en-US" dirty="0" smtClean="0"/>
           </a:p>
         </p:txBody>
       </p:sp>
     </p:spTree>
     <p:extLst>
       <p:ext uri="{BB962C8B-B14F-4D97-AF65-F5344CB8AC3E}">
-        <p14:creationId xmlns:p14="http://schemas.microsoft.com/office/powerpoint/2010/main" val="1920796579"/>
+        <p14:creationId xmlns:p14="http://schemas.microsoft.com/office/powerpoint/2010/main" val="1255087470"/>
       </p:ext>
     </p:extLst>
   </p:cSld>
@@ -4963,8 +5361,8 @@
               <a:buNone/>
             </a:pPr>
             <a:r>
-              <a:rPr lang="en-US" dirty="0" err="1" smtClean="0"/>
-              <a:t>PublishSubject</a:t>
+              <a:rPr lang="en-US" dirty="0" smtClean="0"/>
+              <a:t>Subject</a:t>
             </a:r>
             <a:endParaRPr lang="en" dirty="0"/>
           </a:p>
@@ -5039,70 +5437,107 @@
           </a:prstGeom>
         </p:spPr>
       </p:pic>
-      <p:pic>
-        <p:nvPicPr>
-          <p:cNvPr id="5" name="Picture 4" descr="Screen Shot 2018-04-27 at 11.43.00 PM.png"/>
-          <p:cNvPicPr>
-            <a:picLocks noChangeAspect="1"/>
-          </p:cNvPicPr>
-          <p:nvPr/>
-        </p:nvPicPr>
-        <p:blipFill>
-          <a:blip r:embed="rId4">
-            <a:extLst>
-              <a:ext uri="{28A0092B-C50C-407E-A947-70E740481C1C}">
-                <a14:useLocalDpi xmlns:a14="http://schemas.microsoft.com/office/drawing/2010/main" val="0"/>
-              </a:ext>
-            </a:extLst>
-          </a:blip>
-          <a:stretch>
-            <a:fillRect/>
-          </a:stretch>
-        </p:blipFill>
-        <p:spPr>
-          <a:xfrm>
-            <a:off x="205946" y="1324856"/>
-            <a:ext cx="3624649" cy="3818644"/>
+      <p:sp>
+        <p:nvSpPr>
+          <p:cNvPr id="7" name="Shape 237"/>
+          <p:cNvSpPr txBox="1">
+            <a:spLocks noGrp="1"/>
+          </p:cNvSpPr>
+          <p:nvPr>
+            <p:ph type="body" idx="1"/>
+          </p:nvPr>
+        </p:nvSpPr>
+        <p:spPr>
+          <a:xfrm>
+            <a:off x="814274" y="1626347"/>
+            <a:ext cx="6941095" cy="2245437"/>
           </a:xfrm>
           <a:prstGeom prst="rect">
             <a:avLst/>
           </a:prstGeom>
         </p:spPr>
-      </p:pic>
-      <p:pic>
-        <p:nvPicPr>
-          <p:cNvPr id="6" name="Picture 5" descr="Screen Shot 2018-04-27 at 11.43.30 PM.png"/>
-          <p:cNvPicPr>
-            <a:picLocks noChangeAspect="1"/>
-          </p:cNvPicPr>
-          <p:nvPr/>
-        </p:nvPicPr>
-        <p:blipFill>
-          <a:blip r:embed="rId5">
-            <a:extLst>
-              <a:ext uri="{28A0092B-C50C-407E-A947-70E740481C1C}">
-                <a14:useLocalDpi xmlns:a14="http://schemas.microsoft.com/office/drawing/2010/main" val="0"/>
-              </a:ext>
-            </a:extLst>
-          </a:blip>
-          <a:stretch>
-            <a:fillRect/>
-          </a:stretch>
-        </p:blipFill>
-        <p:spPr>
-          <a:xfrm>
-            <a:off x="5208591" y="1338280"/>
-            <a:ext cx="3159490" cy="3109656"/>
-          </a:xfrm>
-          <a:prstGeom prst="rect">
-            <a:avLst/>
-          </a:prstGeom>
-        </p:spPr>
-      </p:pic>
+        <p:txBody>
+          <a:bodyPr wrap="square" lIns="91425" tIns="91425" rIns="91425" bIns="91425" anchor="ctr" anchorCtr="0">
+            <a:noAutofit/>
+          </a:bodyPr>
+          <a:lstStyle/>
+          <a:p>
+            <a:pPr>
+              <a:buNone/>
+            </a:pPr>
+            <a:r>
+              <a:rPr lang="en-US" b="1" dirty="0"/>
+              <a:t>Observable </a:t>
+            </a:r>
+            <a:endParaRPr lang="en-US" dirty="0"/>
+          </a:p>
+          <a:p>
+            <a:pPr>
+              <a:buNone/>
+            </a:pPr>
+            <a:r>
+              <a:rPr lang="en-US" b="1" dirty="0" smtClean="0"/>
+              <a:t>Observer </a:t>
+            </a:r>
+            <a:r>
+              <a:rPr lang="en-US" dirty="0" smtClean="0"/>
+              <a:t> </a:t>
+            </a:r>
+          </a:p>
+          <a:p>
+            <a:pPr>
+              <a:buNone/>
+            </a:pPr>
+            <a:r>
+              <a:rPr lang="en-US" b="1" dirty="0" err="1" smtClean="0"/>
+              <a:t>PublishSubject</a:t>
+            </a:r>
+            <a:r>
+              <a:rPr lang="en-US" b="1" dirty="0" smtClean="0"/>
+              <a:t>, </a:t>
+            </a:r>
+            <a:r>
+              <a:rPr lang="en-US" b="1" dirty="0" err="1" smtClean="0"/>
+              <a:t>BehaviorSubject</a:t>
+            </a:r>
+            <a:r>
+              <a:rPr lang="en-US" b="1" dirty="0" smtClean="0"/>
+              <a:t>, </a:t>
+            </a:r>
+            <a:r>
+              <a:rPr lang="en-US" b="1" dirty="0" err="1" smtClean="0"/>
+              <a:t>ReplaySubject</a:t>
+            </a:r>
+            <a:endParaRPr lang="en-US" b="1" dirty="0" smtClean="0"/>
+          </a:p>
+          <a:p>
+            <a:pPr>
+              <a:buNone/>
+            </a:pPr>
+            <a:r>
+              <a:rPr lang="en-US" b="1" dirty="0" err="1" smtClean="0"/>
+              <a:t>PublishRelay</a:t>
+            </a:r>
+            <a:r>
+              <a:rPr lang="en-US" b="1" dirty="0" smtClean="0"/>
+              <a:t>, </a:t>
+            </a:r>
+            <a:r>
+              <a:rPr lang="en-US" b="1" dirty="0" err="1" smtClean="0"/>
+              <a:t>BehaviorRelay</a:t>
+            </a:r>
+            <a:r>
+              <a:rPr lang="en-US" b="1" dirty="0" smtClean="0"/>
+              <a:t> (Variable)</a:t>
+            </a:r>
+            <a:endParaRPr lang="en-US" dirty="0"/>
+          </a:p>
+        </p:txBody>
+      </p:sp>
     </p:spTree>
     <p:extLst>
       <p:ext uri="{BB962C8B-B14F-4D97-AF65-F5344CB8AC3E}">
-        <p14:creationId xmlns:p14="http://schemas.microsoft.com/office/powerpoint/2010/main" val="600279464"/>
+        <p14:creationId xmlns:p14="http://schemas.microsoft.com/office/powerpoint/2010/main" val="1920796579"/>
       </p:ext>
     </p:extLst>
   </p:cSld>
@@ -5169,7 +5604,7 @@
             </a:pPr>
             <a:r>
               <a:rPr lang="en-US" dirty="0" err="1" smtClean="0"/>
-              <a:t>BehaviorSubject</a:t>
+              <a:t>PublishSubject</a:t>
             </a:r>
             <a:endParaRPr lang="en" dirty="0"/>
           </a:p>
@@ -5246,7 +5681,7 @@
       </p:pic>
       <p:pic>
         <p:nvPicPr>
-          <p:cNvPr id="3" name="Picture 2" descr="Screen Shot 2018-04-28 at 9.00.53 PM.png"/>
+          <p:cNvPr id="5" name="Picture 4" descr="Screen Shot 2018-04-27 at 11.43.00 PM.png"/>
           <p:cNvPicPr>
             <a:picLocks noChangeAspect="1"/>
           </p:cNvPicPr>
@@ -5266,8 +5701,38 @@
         </p:blipFill>
         <p:spPr>
           <a:xfrm>
-            <a:off x="558319" y="1341442"/>
-            <a:ext cx="4607662" cy="3802058"/>
+            <a:off x="205946" y="1324856"/>
+            <a:ext cx="3624649" cy="3818644"/>
+          </a:xfrm>
+          <a:prstGeom prst="rect">
+            <a:avLst/>
+          </a:prstGeom>
+        </p:spPr>
+      </p:pic>
+      <p:pic>
+        <p:nvPicPr>
+          <p:cNvPr id="6" name="Picture 5" descr="Screen Shot 2018-04-27 at 11.43.30 PM.png"/>
+          <p:cNvPicPr>
+            <a:picLocks noChangeAspect="1"/>
+          </p:cNvPicPr>
+          <p:nvPr/>
+        </p:nvPicPr>
+        <p:blipFill>
+          <a:blip r:embed="rId5">
+            <a:extLst>
+              <a:ext uri="{28A0092B-C50C-407E-A947-70E740481C1C}">
+                <a14:useLocalDpi xmlns:a14="http://schemas.microsoft.com/office/drawing/2010/main" val="0"/>
+              </a:ext>
+            </a:extLst>
+          </a:blip>
+          <a:stretch>
+            <a:fillRect/>
+          </a:stretch>
+        </p:blipFill>
+        <p:spPr>
+          <a:xfrm>
+            <a:off x="5208591" y="1338280"/>
+            <a:ext cx="3159490" cy="3109656"/>
           </a:xfrm>
           <a:prstGeom prst="rect">
             <a:avLst/>
@@ -5277,7 +5742,7 @@
     </p:spTree>
     <p:extLst>
       <p:ext uri="{BB962C8B-B14F-4D97-AF65-F5344CB8AC3E}">
-        <p14:creationId xmlns:p14="http://schemas.microsoft.com/office/powerpoint/2010/main" val="772912990"/>
+        <p14:creationId xmlns:p14="http://schemas.microsoft.com/office/powerpoint/2010/main" val="600279464"/>
       </p:ext>
     </p:extLst>
   </p:cSld>
@@ -5344,7 +5809,7 @@
             </a:pPr>
             <a:r>
               <a:rPr lang="en-US" dirty="0" err="1" smtClean="0"/>
-              <a:t>ReplaySubject</a:t>
+              <a:t>BehaviorSubject</a:t>
             </a:r>
             <a:endParaRPr lang="en" dirty="0"/>
           </a:p>
@@ -5421,7 +5886,7 @@
       </p:pic>
       <p:pic>
         <p:nvPicPr>
-          <p:cNvPr id="4" name="Picture 3" descr="Screen Shot 2018-04-28 at 9.19.04 PM.png"/>
+          <p:cNvPr id="3" name="Picture 2" descr="Screen Shot 2018-04-28 at 9.00.53 PM.png"/>
           <p:cNvPicPr>
             <a:picLocks noChangeAspect="1"/>
           </p:cNvPicPr>
@@ -5441,38 +5906,8 @@
         </p:blipFill>
         <p:spPr>
           <a:xfrm>
-            <a:off x="24543" y="1353629"/>
-            <a:ext cx="4948219" cy="3092637"/>
-          </a:xfrm>
-          <a:prstGeom prst="rect">
-            <a:avLst/>
-          </a:prstGeom>
-        </p:spPr>
-      </p:pic>
-      <p:pic>
-        <p:nvPicPr>
-          <p:cNvPr id="5" name="Picture 4" descr="Screen Shot 2018-04-28 at 9.19.14 PM.png"/>
-          <p:cNvPicPr>
-            <a:picLocks noChangeAspect="1"/>
-          </p:cNvPicPr>
-          <p:nvPr/>
-        </p:nvPicPr>
-        <p:blipFill>
-          <a:blip r:embed="rId5">
-            <a:extLst>
-              <a:ext uri="{28A0092B-C50C-407E-A947-70E740481C1C}">
-                <a14:useLocalDpi xmlns:a14="http://schemas.microsoft.com/office/drawing/2010/main" val="0"/>
-              </a:ext>
-            </a:extLst>
-          </a:blip>
-          <a:stretch>
-            <a:fillRect/>
-          </a:stretch>
-        </p:blipFill>
-        <p:spPr>
-          <a:xfrm>
-            <a:off x="5613861" y="1320938"/>
-            <a:ext cx="3178122" cy="3125329"/>
+            <a:off x="558319" y="1341442"/>
+            <a:ext cx="4607662" cy="3802058"/>
           </a:xfrm>
           <a:prstGeom prst="rect">
             <a:avLst/>
@@ -5482,7 +5917,7 @@
     </p:spTree>
     <p:extLst>
       <p:ext uri="{BB962C8B-B14F-4D97-AF65-F5344CB8AC3E}">
-        <p14:creationId xmlns:p14="http://schemas.microsoft.com/office/powerpoint/2010/main" val="3159587174"/>
+        <p14:creationId xmlns:p14="http://schemas.microsoft.com/office/powerpoint/2010/main" val="772912990"/>
       </p:ext>
     </p:extLst>
   </p:cSld>
@@ -5548,8 +5983,8 @@
               <a:buNone/>
             </a:pPr>
             <a:r>
-              <a:rPr lang="en-US" dirty="0" smtClean="0"/>
-              <a:t>Lab - 1</a:t>
+              <a:rPr lang="en-US" dirty="0" err="1" smtClean="0"/>
+              <a:t>ReplaySubject</a:t>
             </a:r>
             <a:endParaRPr lang="en" dirty="0"/>
           </a:p>
@@ -5624,56 +6059,70 @@
           </a:prstGeom>
         </p:spPr>
       </p:pic>
-      <p:sp>
-        <p:nvSpPr>
-          <p:cNvPr id="3" name="TextBox 2"/>
-          <p:cNvSpPr txBox="1"/>
+      <p:pic>
+        <p:nvPicPr>
+          <p:cNvPr id="4" name="Picture 3" descr="Screen Shot 2018-04-28 at 9.19.04 PM.png"/>
+          <p:cNvPicPr>
+            <a:picLocks noChangeAspect="1"/>
+          </p:cNvPicPr>
           <p:nvPr/>
-        </p:nvSpPr>
-        <p:spPr>
-          <a:xfrm>
-            <a:off x="998682" y="1720273"/>
-            <a:ext cx="4044697" cy="307777"/>
+        </p:nvPicPr>
+        <p:blipFill>
+          <a:blip r:embed="rId4">
+            <a:extLst>
+              <a:ext uri="{28A0092B-C50C-407E-A947-70E740481C1C}">
+                <a14:useLocalDpi xmlns:a14="http://schemas.microsoft.com/office/drawing/2010/main" val="0"/>
+              </a:ext>
+            </a:extLst>
+          </a:blip>
+          <a:stretch>
+            <a:fillRect/>
+          </a:stretch>
+        </p:blipFill>
+        <p:spPr>
+          <a:xfrm>
+            <a:off x="24543" y="1353629"/>
+            <a:ext cx="4948219" cy="3092637"/>
           </a:xfrm>
           <a:prstGeom prst="rect">
             <a:avLst/>
           </a:prstGeom>
-          <a:noFill/>
-        </p:spPr>
-        <p:txBody>
-          <a:bodyPr wrap="none" rtlCol="0">
-            <a:spAutoFit/>
-          </a:bodyPr>
-          <a:lstStyle/>
-          <a:p>
-            <a:r>
-              <a:rPr lang="en-US" dirty="0" err="1" smtClean="0"/>
-              <a:t>BehaviorSubject</a:t>
-            </a:r>
-            <a:r>
-              <a:rPr lang="en-US" dirty="0" smtClean="0"/>
-              <a:t>, </a:t>
-            </a:r>
-            <a:r>
-              <a:rPr lang="en-US" dirty="0" err="1" smtClean="0"/>
-              <a:t>PublishSubject</a:t>
-            </a:r>
-            <a:r>
-              <a:rPr lang="en-US" dirty="0" smtClean="0"/>
-              <a:t>, </a:t>
-            </a:r>
-            <a:r>
-              <a:rPr lang="en-US" dirty="0" err="1" smtClean="0"/>
-              <a:t>ReplaySubject</a:t>
-            </a:r>
-            <a:endParaRPr lang="en-US" dirty="0"/>
-          </a:p>
-        </p:txBody>
-      </p:sp>
+        </p:spPr>
+      </p:pic>
+      <p:pic>
+        <p:nvPicPr>
+          <p:cNvPr id="5" name="Picture 4" descr="Screen Shot 2018-04-28 at 9.19.14 PM.png"/>
+          <p:cNvPicPr>
+            <a:picLocks noChangeAspect="1"/>
+          </p:cNvPicPr>
+          <p:nvPr/>
+        </p:nvPicPr>
+        <p:blipFill>
+          <a:blip r:embed="rId5">
+            <a:extLst>
+              <a:ext uri="{28A0092B-C50C-407E-A947-70E740481C1C}">
+                <a14:useLocalDpi xmlns:a14="http://schemas.microsoft.com/office/drawing/2010/main" val="0"/>
+              </a:ext>
+            </a:extLst>
+          </a:blip>
+          <a:stretch>
+            <a:fillRect/>
+          </a:stretch>
+        </p:blipFill>
+        <p:spPr>
+          <a:xfrm>
+            <a:off x="5613861" y="1320938"/>
+            <a:ext cx="3178122" cy="3125329"/>
+          </a:xfrm>
+          <a:prstGeom prst="rect">
+            <a:avLst/>
+          </a:prstGeom>
+        </p:spPr>
+      </p:pic>
     </p:spTree>
     <p:extLst>
       <p:ext uri="{BB962C8B-B14F-4D97-AF65-F5344CB8AC3E}">
-        <p14:creationId xmlns:p14="http://schemas.microsoft.com/office/powerpoint/2010/main" val="1900758707"/>
+        <p14:creationId xmlns:p14="http://schemas.microsoft.com/office/powerpoint/2010/main" val="3159587174"/>
       </p:ext>
     </p:extLst>
   </p:cSld>
@@ -5739,28 +6188,8 @@
               <a:buNone/>
             </a:pPr>
             <a:r>
-              <a:rPr lang="en-US" dirty="0" err="1" smtClean="0"/>
-              <a:t>flatMap</a:t>
-            </a:r>
-            <a:r>
               <a:rPr lang="en-US" dirty="0" smtClean="0"/>
-              <a:t>, </a:t>
-            </a:r>
-            <a:r>
-              <a:rPr lang="en-US" dirty="0" err="1" smtClean="0"/>
-              <a:t>flatMapFirst</a:t>
-            </a:r>
-            <a:r>
-              <a:rPr lang="en-US" dirty="0" smtClean="0"/>
-              <a:t>, </a:t>
-            </a:r>
-            <a:r>
-              <a:rPr lang="en-US" dirty="0" err="1" smtClean="0"/>
-              <a:t>flatMapLatest</a:t>
-            </a:r>
-            <a:r>
-              <a:rPr lang="en-US" dirty="0" smtClean="0"/>
-              <a:t> - 1</a:t>
+              <a:t>Lab - 1</a:t>
             </a:r>
             <a:endParaRPr lang="en" dirty="0"/>
           </a:p>
@@ -5835,40 +6264,56 @@
           </a:prstGeom>
         </p:spPr>
       </p:pic>
-      <p:pic>
-        <p:nvPicPr>
-          <p:cNvPr id="5" name="Picture 4" descr="Screen Shot 2018-04-28 at 10.49.25 PM.png"/>
-          <p:cNvPicPr>
-            <a:picLocks noChangeAspect="1"/>
-          </p:cNvPicPr>
+      <p:sp>
+        <p:nvSpPr>
+          <p:cNvPr id="3" name="TextBox 2"/>
+          <p:cNvSpPr txBox="1"/>
           <p:nvPr/>
-        </p:nvPicPr>
-        <p:blipFill>
-          <a:blip r:embed="rId4">
-            <a:extLst>
-              <a:ext uri="{28A0092B-C50C-407E-A947-70E740481C1C}">
-                <a14:useLocalDpi xmlns:a14="http://schemas.microsoft.com/office/drawing/2010/main" val="0"/>
-              </a:ext>
-            </a:extLst>
-          </a:blip>
-          <a:stretch>
-            <a:fillRect/>
-          </a:stretch>
-        </p:blipFill>
-        <p:spPr>
-          <a:xfrm>
-            <a:off x="1414869" y="1158775"/>
-            <a:ext cx="3455543" cy="3953294"/>
+        </p:nvSpPr>
+        <p:spPr>
+          <a:xfrm>
+            <a:off x="998682" y="1720273"/>
+            <a:ext cx="4044697" cy="307777"/>
           </a:xfrm>
           <a:prstGeom prst="rect">
             <a:avLst/>
           </a:prstGeom>
-        </p:spPr>
-      </p:pic>
+          <a:noFill/>
+        </p:spPr>
+        <p:txBody>
+          <a:bodyPr wrap="none" rtlCol="0">
+            <a:spAutoFit/>
+          </a:bodyPr>
+          <a:lstStyle/>
+          <a:p>
+            <a:r>
+              <a:rPr lang="en-US" dirty="0" err="1" smtClean="0"/>
+              <a:t>BehaviorSubject</a:t>
+            </a:r>
+            <a:r>
+              <a:rPr lang="en-US" dirty="0" smtClean="0"/>
+              <a:t>, </a:t>
+            </a:r>
+            <a:r>
+              <a:rPr lang="en-US" dirty="0" err="1" smtClean="0"/>
+              <a:t>PublishSubject</a:t>
+            </a:r>
+            <a:r>
+              <a:rPr lang="en-US" dirty="0" smtClean="0"/>
+              <a:t>, </a:t>
+            </a:r>
+            <a:r>
+              <a:rPr lang="en-US" dirty="0" err="1" smtClean="0"/>
+              <a:t>ReplaySubject</a:t>
+            </a:r>
+            <a:endParaRPr lang="en-US" dirty="0"/>
+          </a:p>
+        </p:txBody>
+      </p:sp>
     </p:spTree>
     <p:extLst>
       <p:ext uri="{BB962C8B-B14F-4D97-AF65-F5344CB8AC3E}">
-        <p14:creationId xmlns:p14="http://schemas.microsoft.com/office/powerpoint/2010/main" val="640576846"/>
+        <p14:creationId xmlns:p14="http://schemas.microsoft.com/office/powerpoint/2010/main" val="1900758707"/>
       </p:ext>
     </p:extLst>
   </p:cSld>
@@ -5955,7 +6400,7 @@
             </a:r>
             <a:r>
               <a:rPr lang="en-US" dirty="0" smtClean="0"/>
-              <a:t> - 2</a:t>
+              <a:t> - 1</a:t>
             </a:r>
             <a:endParaRPr lang="en" dirty="0"/>
           </a:p>
@@ -6032,7 +6477,7 @@
       </p:pic>
       <p:pic>
         <p:nvPicPr>
-          <p:cNvPr id="4" name="Picture 3" descr="Screen Shot 2018-04-28 at 10.50.58 PM.png"/>
+          <p:cNvPr id="5" name="Picture 4" descr="Screen Shot 2018-04-28 at 10.49.25 PM.png"/>
           <p:cNvPicPr>
             <a:picLocks noChangeAspect="1"/>
           </p:cNvPicPr>
@@ -6052,8 +6497,8 @@
         </p:blipFill>
         <p:spPr>
           <a:xfrm>
-            <a:off x="1168477" y="1158776"/>
-            <a:ext cx="4197500" cy="3984724"/>
+            <a:off x="1414869" y="1158775"/>
+            <a:ext cx="3455543" cy="3953294"/>
           </a:xfrm>
           <a:prstGeom prst="rect">
             <a:avLst/>
@@ -6063,7 +6508,7 @@
     </p:spTree>
     <p:extLst>
       <p:ext uri="{BB962C8B-B14F-4D97-AF65-F5344CB8AC3E}">
-        <p14:creationId xmlns:p14="http://schemas.microsoft.com/office/powerpoint/2010/main" val="49246331"/>
+        <p14:creationId xmlns:p14="http://schemas.microsoft.com/office/powerpoint/2010/main" val="640576846"/>
       </p:ext>
     </p:extLst>
   </p:cSld>
@@ -6150,7 +6595,7 @@
             </a:r>
             <a:r>
               <a:rPr lang="en-US" dirty="0" smtClean="0"/>
-              <a:t> - 3</a:t>
+              <a:t> - 2</a:t>
             </a:r>
             <a:endParaRPr lang="en" dirty="0"/>
           </a:p>
@@ -6227,7 +6672,7 @@
       </p:pic>
       <p:pic>
         <p:nvPicPr>
-          <p:cNvPr id="3" name="Picture 2" descr="Screen Shot 2018-04-28 at 10.53.14 PM.png"/>
+          <p:cNvPr id="4" name="Picture 3" descr="Screen Shot 2018-04-28 at 10.50.58 PM.png"/>
           <p:cNvPicPr>
             <a:picLocks noChangeAspect="1"/>
           </p:cNvPicPr>
@@ -6247,8 +6692,8 @@
         </p:blipFill>
         <p:spPr>
           <a:xfrm>
-            <a:off x="1516530" y="1158775"/>
-            <a:ext cx="4304665" cy="3984724"/>
+            <a:off x="1168477" y="1158776"/>
+            <a:ext cx="4197500" cy="3984724"/>
           </a:xfrm>
           <a:prstGeom prst="rect">
             <a:avLst/>
@@ -6258,7 +6703,7 @@
     </p:spTree>
     <p:extLst>
       <p:ext uri="{BB962C8B-B14F-4D97-AF65-F5344CB8AC3E}">
-        <p14:creationId xmlns:p14="http://schemas.microsoft.com/office/powerpoint/2010/main" val="1139717155"/>
+        <p14:creationId xmlns:p14="http://schemas.microsoft.com/office/powerpoint/2010/main" val="49246331"/>
       </p:ext>
     </p:extLst>
   </p:cSld>

--- a/RxSwiftBasics/day2/RxSwiftBasics2.pptx
+++ b/RxSwiftBasics/day2/RxSwiftBasics2.pptx
@@ -5,21 +5,22 @@
     <p:sldMasterId id="2147483657" r:id="rId1"/>
   </p:sldMasterIdLst>
   <p:notesMasterIdLst>
-    <p:notesMasterId r:id="rId14"/>
+    <p:notesMasterId r:id="rId15"/>
   </p:notesMasterIdLst>
   <p:sldIdLst>
     <p:sldId id="256" r:id="rId2"/>
     <p:sldId id="339" r:id="rId3"/>
-    <p:sldId id="329" r:id="rId4"/>
-    <p:sldId id="330" r:id="rId5"/>
-    <p:sldId id="331" r:id="rId6"/>
-    <p:sldId id="332" r:id="rId7"/>
-    <p:sldId id="337" r:id="rId8"/>
-    <p:sldId id="333" r:id="rId9"/>
-    <p:sldId id="334" r:id="rId10"/>
-    <p:sldId id="335" r:id="rId11"/>
-    <p:sldId id="336" r:id="rId12"/>
-    <p:sldId id="338" r:id="rId13"/>
+    <p:sldId id="341" r:id="rId4"/>
+    <p:sldId id="329" r:id="rId5"/>
+    <p:sldId id="330" r:id="rId6"/>
+    <p:sldId id="331" r:id="rId7"/>
+    <p:sldId id="332" r:id="rId8"/>
+    <p:sldId id="337" r:id="rId9"/>
+    <p:sldId id="333" r:id="rId10"/>
+    <p:sldId id="334" r:id="rId11"/>
+    <p:sldId id="335" r:id="rId12"/>
+    <p:sldId id="336" r:id="rId13"/>
+    <p:sldId id="338" r:id="rId14"/>
   </p:sldIdLst>
   <p:sldSz cx="9144000" cy="5143500" type="screen16x9"/>
   <p:notesSz cx="6858000" cy="9144000"/>
@@ -812,6 +813,107 @@
 </file>
 
 <file path=ppt/notesSlides/notesSlide12.xml><?xml version="1.0" encoding="utf-8"?>
+<p:notes xmlns:a="http://schemas.openxmlformats.org/drawingml/2006/main" xmlns:r="http://schemas.openxmlformats.org/officeDocument/2006/relationships" xmlns:p="http://schemas.openxmlformats.org/presentationml/2006/main" showMasterSp="0" showMasterPhAnim="0">
+  <p:cSld>
+    <p:spTree>
+      <p:nvGrpSpPr>
+        <p:cNvPr id="1" name="Shape 185"/>
+        <p:cNvGrpSpPr/>
+        <p:nvPr/>
+      </p:nvGrpSpPr>
+      <p:grpSpPr>
+        <a:xfrm>
+          <a:off x="0" y="0"/>
+          <a:ext cx="0" cy="0"/>
+          <a:chOff x="0" y="0"/>
+          <a:chExt cx="0" cy="0"/>
+        </a:xfrm>
+      </p:grpSpPr>
+      <p:sp>
+        <p:nvSpPr>
+          <p:cNvPr id="186" name="Shape 186"/>
+          <p:cNvSpPr>
+            <a:spLocks noGrp="1" noRot="1" noChangeAspect="1"/>
+          </p:cNvSpPr>
+          <p:nvPr>
+            <p:ph type="sldImg" idx="2"/>
+          </p:nvPr>
+        </p:nvSpPr>
+        <p:spPr>
+          <a:xfrm>
+            <a:off x="381000" y="685800"/>
+            <a:ext cx="6096000" cy="3429000"/>
+          </a:xfrm>
+          <a:custGeom>
+            <a:avLst/>
+            <a:gdLst/>
+            <a:ahLst/>
+            <a:cxnLst/>
+            <a:rect l="0" t="0" r="0" b="0"/>
+            <a:pathLst>
+              <a:path w="120000" h="120000" extrusionOk="0">
+                <a:moveTo>
+                  <a:pt x="0" y="0"/>
+                </a:moveTo>
+                <a:lnTo>
+                  <a:pt x="120000" y="0"/>
+                </a:lnTo>
+                <a:lnTo>
+                  <a:pt x="120000" y="120000"/>
+                </a:lnTo>
+                <a:lnTo>
+                  <a:pt x="0" y="120000"/>
+                </a:lnTo>
+                <a:close/>
+              </a:path>
+            </a:pathLst>
+          </a:custGeom>
+        </p:spPr>
+      </p:sp>
+      <p:sp>
+        <p:nvSpPr>
+          <p:cNvPr id="187" name="Shape 187"/>
+          <p:cNvSpPr txBox="1">
+            <a:spLocks noGrp="1"/>
+          </p:cNvSpPr>
+          <p:nvPr>
+            <p:ph type="body" idx="1"/>
+          </p:nvPr>
+        </p:nvSpPr>
+        <p:spPr>
+          <a:xfrm>
+            <a:off x="685800" y="4343400"/>
+            <a:ext cx="5486400" cy="4114800"/>
+          </a:xfrm>
+          <a:prstGeom prst="rect">
+            <a:avLst/>
+          </a:prstGeom>
+        </p:spPr>
+        <p:txBody>
+          <a:bodyPr wrap="square" lIns="91425" tIns="91425" rIns="91425" bIns="91425" anchor="t" anchorCtr="0">
+            <a:noAutofit/>
+          </a:bodyPr>
+          <a:lstStyle/>
+          <a:p>
+            <a:pPr lvl="0">
+              <a:spcBef>
+                <a:spcPts val="0"/>
+              </a:spcBef>
+              <a:buNone/>
+            </a:pPr>
+            <a:endParaRPr/>
+          </a:p>
+        </p:txBody>
+      </p:sp>
+    </p:spTree>
+  </p:cSld>
+  <p:clrMapOvr>
+    <a:masterClrMapping/>
+  </p:clrMapOvr>
+</p:notes>
+</file>
+
+<file path=ppt/notesSlides/notesSlide13.xml><?xml version="1.0" encoding="utf-8"?>
 <p:notes xmlns:a="http://schemas.openxmlformats.org/drawingml/2006/main" xmlns:r="http://schemas.openxmlformats.org/officeDocument/2006/relationships" xmlns:p="http://schemas.openxmlformats.org/presentationml/2006/main" showMasterSp="0" showMasterPhAnim="0">
   <p:cSld>
     <p:spTree>
@@ -4458,7 +4560,7 @@
             </a:r>
             <a:r>
               <a:rPr lang="en-US" dirty="0" smtClean="0"/>
-              <a:t> - 3</a:t>
+              <a:t> - 2</a:t>
             </a:r>
             <a:endParaRPr lang="en" dirty="0"/>
           </a:p>
@@ -4535,7 +4637,7 @@
       </p:pic>
       <p:pic>
         <p:nvPicPr>
-          <p:cNvPr id="3" name="Picture 2" descr="Screen Shot 2018-04-28 at 10.53.14 PM.png"/>
+          <p:cNvPr id="4" name="Picture 3" descr="Screen Shot 2018-04-28 at 10.50.58 PM.png"/>
           <p:cNvPicPr>
             <a:picLocks noChangeAspect="1"/>
           </p:cNvPicPr>
@@ -4555,8 +4657,8 @@
         </p:blipFill>
         <p:spPr>
           <a:xfrm>
-            <a:off x="1516530" y="1158775"/>
-            <a:ext cx="4304665" cy="3984724"/>
+            <a:off x="1168477" y="1158776"/>
+            <a:ext cx="4197500" cy="3984724"/>
           </a:xfrm>
           <a:prstGeom prst="rect">
             <a:avLst/>
@@ -4566,7 +4668,7 @@
     </p:spTree>
     <p:extLst>
       <p:ext uri="{BB962C8B-B14F-4D97-AF65-F5344CB8AC3E}">
-        <p14:creationId xmlns:p14="http://schemas.microsoft.com/office/powerpoint/2010/main" val="1139717155"/>
+        <p14:creationId xmlns:p14="http://schemas.microsoft.com/office/powerpoint/2010/main" val="49246331"/>
       </p:ext>
     </p:extLst>
   </p:cSld>
@@ -4653,7 +4755,7 @@
             </a:r>
             <a:r>
               <a:rPr lang="en-US" dirty="0" smtClean="0"/>
-              <a:t> - 4</a:t>
+              <a:t> - 3</a:t>
             </a:r>
             <a:endParaRPr lang="en" dirty="0"/>
           </a:p>
@@ -4730,7 +4832,7 @@
       </p:pic>
       <p:pic>
         <p:nvPicPr>
-          <p:cNvPr id="4" name="Picture 3" descr="Screen Shot 2018-04-28 at 10.54.12 PM.png"/>
+          <p:cNvPr id="3" name="Picture 2" descr="Screen Shot 2018-04-28 at 10.53.14 PM.png"/>
           <p:cNvPicPr>
             <a:picLocks noChangeAspect="1"/>
           </p:cNvPicPr>
@@ -4750,8 +4852,8 @@
         </p:blipFill>
         <p:spPr>
           <a:xfrm>
-            <a:off x="1215438" y="1158774"/>
-            <a:ext cx="4179577" cy="3984725"/>
+            <a:off x="1516530" y="1158775"/>
+            <a:ext cx="4304665" cy="3984724"/>
           </a:xfrm>
           <a:prstGeom prst="rect">
             <a:avLst/>
@@ -4761,7 +4863,7 @@
     </p:spTree>
     <p:extLst>
       <p:ext uri="{BB962C8B-B14F-4D97-AF65-F5344CB8AC3E}">
-        <p14:creationId xmlns:p14="http://schemas.microsoft.com/office/powerpoint/2010/main" val="1991800521"/>
+        <p14:creationId xmlns:p14="http://schemas.microsoft.com/office/powerpoint/2010/main" val="1139717155"/>
       </p:ext>
     </p:extLst>
   </p:cSld>
@@ -4827,8 +4929,28 @@
               <a:buNone/>
             </a:pPr>
             <a:r>
+              <a:rPr lang="en-US" dirty="0" err="1" smtClean="0"/>
+              <a:t>flatMap</a:t>
+            </a:r>
+            <a:r>
               <a:rPr lang="en-US" dirty="0" smtClean="0"/>
-              <a:t>Lab -2</a:t>
+              <a:t>, </a:t>
+            </a:r>
+            <a:r>
+              <a:rPr lang="en-US" dirty="0" err="1" smtClean="0"/>
+              <a:t>flatMapFirst</a:t>
+            </a:r>
+            <a:r>
+              <a:rPr lang="en-US" dirty="0" smtClean="0"/>
+              <a:t>, </a:t>
+            </a:r>
+            <a:r>
+              <a:rPr lang="en-US" dirty="0" err="1" smtClean="0"/>
+              <a:t>flatMapLatest</a:t>
+            </a:r>
+            <a:r>
+              <a:rPr lang="en-US" dirty="0" smtClean="0"/>
+              <a:t> - 4</a:t>
             </a:r>
             <a:endParaRPr lang="en" dirty="0"/>
           </a:p>
@@ -4868,6 +4990,181 @@
             <a:fld id="{00000000-1234-1234-1234-123412341234}" type="slidenum">
               <a:rPr lang="en"/>
               <a:t>12</a:t>
+            </a:fld>
+            <a:endParaRPr lang="en"/>
+          </a:p>
+        </p:txBody>
+      </p:sp>
+      <p:pic>
+        <p:nvPicPr>
+          <p:cNvPr id="2" name="Picture 1" descr="Rx_Logo_M.png"/>
+          <p:cNvPicPr>
+            <a:picLocks noChangeAspect="1"/>
+          </p:cNvPicPr>
+          <p:nvPr/>
+        </p:nvPicPr>
+        <p:blipFill>
+          <a:blip r:embed="rId3">
+            <a:extLst>
+              <a:ext uri="{28A0092B-C50C-407E-A947-70E740481C1C}">
+                <a14:useLocalDpi xmlns:a14="http://schemas.microsoft.com/office/drawing/2010/main" val="0"/>
+              </a:ext>
+            </a:extLst>
+          </a:blip>
+          <a:stretch>
+            <a:fillRect/>
+          </a:stretch>
+        </p:blipFill>
+        <p:spPr>
+          <a:xfrm>
+            <a:off x="151129" y="442005"/>
+            <a:ext cx="663146" cy="663146"/>
+          </a:xfrm>
+          <a:prstGeom prst="rect">
+            <a:avLst/>
+          </a:prstGeom>
+        </p:spPr>
+      </p:pic>
+      <p:pic>
+        <p:nvPicPr>
+          <p:cNvPr id="4" name="Picture 3" descr="Screen Shot 2018-04-28 at 10.54.12 PM.png"/>
+          <p:cNvPicPr>
+            <a:picLocks noChangeAspect="1"/>
+          </p:cNvPicPr>
+          <p:nvPr/>
+        </p:nvPicPr>
+        <p:blipFill>
+          <a:blip r:embed="rId4">
+            <a:extLst>
+              <a:ext uri="{28A0092B-C50C-407E-A947-70E740481C1C}">
+                <a14:useLocalDpi xmlns:a14="http://schemas.microsoft.com/office/drawing/2010/main" val="0"/>
+              </a:ext>
+            </a:extLst>
+          </a:blip>
+          <a:stretch>
+            <a:fillRect/>
+          </a:stretch>
+        </p:blipFill>
+        <p:spPr>
+          <a:xfrm>
+            <a:off x="1215438" y="1158774"/>
+            <a:ext cx="4179577" cy="3984725"/>
+          </a:xfrm>
+          <a:prstGeom prst="rect">
+            <a:avLst/>
+          </a:prstGeom>
+        </p:spPr>
+      </p:pic>
+    </p:spTree>
+    <p:extLst>
+      <p:ext uri="{BB962C8B-B14F-4D97-AF65-F5344CB8AC3E}">
+        <p14:creationId xmlns:p14="http://schemas.microsoft.com/office/powerpoint/2010/main" val="1991800521"/>
+      </p:ext>
+    </p:extLst>
+  </p:cSld>
+  <p:clrMapOvr>
+    <a:masterClrMapping/>
+  </p:clrMapOvr>
+  <p:timing>
+    <p:tnLst>
+      <p:par>
+        <p:cTn xmlns:p14="http://schemas.microsoft.com/office/powerpoint/2010/main" id="1" dur="indefinite" restart="never" nodeType="tmRoot"/>
+      </p:par>
+    </p:tnLst>
+  </p:timing>
+</p:sld>
+</file>
+
+<file path=ppt/slides/slide13.xml><?xml version="1.0" encoding="utf-8"?>
+<p:sld xmlns:a="http://schemas.openxmlformats.org/drawingml/2006/main" xmlns:r="http://schemas.openxmlformats.org/officeDocument/2006/relationships" xmlns:p="http://schemas.openxmlformats.org/presentationml/2006/main">
+  <p:cSld>
+    <p:spTree>
+      <p:nvGrpSpPr>
+        <p:cNvPr id="1" name="Shape 188"/>
+        <p:cNvGrpSpPr/>
+        <p:nvPr/>
+      </p:nvGrpSpPr>
+      <p:grpSpPr>
+        <a:xfrm>
+          <a:off x="0" y="0"/>
+          <a:ext cx="0" cy="0"/>
+          <a:chOff x="0" y="0"/>
+          <a:chExt cx="0" cy="0"/>
+        </a:xfrm>
+      </p:grpSpPr>
+      <p:sp>
+        <p:nvSpPr>
+          <p:cNvPr id="189" name="Shape 189"/>
+          <p:cNvSpPr txBox="1">
+            <a:spLocks noGrp="1"/>
+          </p:cNvSpPr>
+          <p:nvPr>
+            <p:ph type="title"/>
+          </p:nvPr>
+        </p:nvSpPr>
+        <p:spPr>
+          <a:xfrm>
+            <a:off x="814275" y="392575"/>
+            <a:ext cx="5258400" cy="766200"/>
+          </a:xfrm>
+          <a:prstGeom prst="rect">
+            <a:avLst/>
+          </a:prstGeom>
+        </p:spPr>
+        <p:txBody>
+          <a:bodyPr wrap="square" lIns="91425" tIns="91425" rIns="91425" bIns="91425" anchor="ctr" anchorCtr="0">
+            <a:noAutofit/>
+          </a:bodyPr>
+          <a:lstStyle/>
+          <a:p>
+            <a:pPr lvl="0" rtl="0">
+              <a:spcBef>
+                <a:spcPts val="0"/>
+              </a:spcBef>
+              <a:buNone/>
+            </a:pPr>
+            <a:r>
+              <a:rPr lang="en-US" dirty="0" smtClean="0"/>
+              <a:t>Lab -2</a:t>
+            </a:r>
+            <a:endParaRPr lang="en" dirty="0"/>
+          </a:p>
+        </p:txBody>
+      </p:sp>
+      <p:sp>
+        <p:nvSpPr>
+          <p:cNvPr id="192" name="Shape 192"/>
+          <p:cNvSpPr txBox="1">
+            <a:spLocks noGrp="1"/>
+          </p:cNvSpPr>
+          <p:nvPr>
+            <p:ph type="sldNum" idx="12"/>
+          </p:nvPr>
+        </p:nvSpPr>
+        <p:spPr>
+          <a:xfrm>
+            <a:off x="7618000" y="4636500"/>
+            <a:ext cx="1487400" cy="315600"/>
+          </a:xfrm>
+          <a:prstGeom prst="rect">
+            <a:avLst/>
+          </a:prstGeom>
+        </p:spPr>
+        <p:txBody>
+          <a:bodyPr wrap="square" lIns="91425" tIns="91425" rIns="91425" bIns="91425" anchor="ctr" anchorCtr="0">
+            <a:noAutofit/>
+          </a:bodyPr>
+          <a:lstStyle/>
+          <a:p>
+            <a:pPr lvl="0">
+              <a:spcBef>
+                <a:spcPts val="0"/>
+              </a:spcBef>
+              <a:buNone/>
+            </a:pPr>
+            <a:fld id="{00000000-1234-1234-1234-123412341234}" type="slidenum">
+              <a:rPr lang="en"/>
+              <a:t>13</a:t>
             </a:fld>
             <a:endParaRPr lang="en"/>
           </a:p>
@@ -5133,11 +5430,7 @@
             </a:r>
             <a:r>
               <a:rPr lang="en-US" dirty="0" smtClean="0"/>
-              <a:t> Observable, Operator (Filter, Transform, Combine</a:t>
-            </a:r>
-            <a:r>
-              <a:rPr lang="en-US" dirty="0" smtClean="0"/>
-              <a:t>)</a:t>
+              <a:t> Observable, Operator (Filter, Transform, Combine)</a:t>
             </a:r>
             <a:endParaRPr lang="en-US" b="1" dirty="0" smtClean="0"/>
           </a:p>
@@ -5362,7 +5655,11 @@
             </a:pPr>
             <a:r>
               <a:rPr lang="en-US" dirty="0" smtClean="0"/>
-              <a:t>Subject</a:t>
+              <a:t>Advanced </a:t>
+            </a:r>
+            <a:r>
+              <a:rPr lang="en-US" dirty="0" err="1" smtClean="0"/>
+              <a:t>RxSwift</a:t>
             </a:r>
             <a:endParaRPr lang="en" dirty="0"/>
           </a:p>
@@ -5439,7 +5736,7 @@
       </p:pic>
       <p:sp>
         <p:nvSpPr>
-          <p:cNvPr id="7" name="Shape 237"/>
+          <p:cNvPr id="9" name="Shape 237"/>
           <p:cNvSpPr txBox="1">
             <a:spLocks noGrp="1"/>
           </p:cNvSpPr>
@@ -5449,8 +5746,8 @@
         </p:nvSpPr>
         <p:spPr>
           <a:xfrm>
-            <a:off x="814274" y="1626347"/>
-            <a:ext cx="6941095" cy="2245437"/>
+            <a:off x="151130" y="1650424"/>
+            <a:ext cx="8891026" cy="2862119"/>
           </a:xfrm>
           <a:prstGeom prst="rect">
             <a:avLst/>
@@ -5462,82 +5759,198 @@
           </a:bodyPr>
           <a:lstStyle/>
           <a:p>
-            <a:pPr>
-              <a:buNone/>
-            </a:pPr>
-            <a:r>
-              <a:rPr lang="en-US" b="1" dirty="0"/>
-              <a:t>Observable </a:t>
+            <a:r>
+              <a:rPr lang="en-US" dirty="0" smtClean="0"/>
+              <a:t>Day </a:t>
+            </a:r>
+            <a:r>
+              <a:rPr lang="en-US" dirty="0" smtClean="0"/>
+              <a:t>1 </a:t>
+            </a:r>
+            <a:r>
+              <a:rPr lang="mr-IN" dirty="0" smtClean="0"/>
+              <a:t>–</a:t>
+            </a:r>
+            <a:r>
+              <a:rPr lang="en-US" dirty="0" smtClean="0"/>
+              <a:t> Protocol-Oriented Programming, Protocol Extension, </a:t>
+            </a:r>
+            <a:r>
+              <a:rPr lang="en-US" dirty="0" err="1" smtClean="0"/>
+              <a:t>Associatetype</a:t>
+            </a:r>
+            <a:endParaRPr lang="en-US" dirty="0" smtClean="0"/>
+          </a:p>
+          <a:p>
+            <a:r>
+              <a:rPr lang="en-US" dirty="0"/>
+              <a:t>Day </a:t>
+            </a:r>
+            <a:r>
+              <a:rPr lang="en-US" dirty="0" smtClean="0"/>
+              <a:t>2 </a:t>
+            </a:r>
+            <a:r>
+              <a:rPr lang="mr-IN" dirty="0"/>
+              <a:t>–</a:t>
+            </a:r>
+            <a:r>
+              <a:rPr lang="en-US" dirty="0"/>
+              <a:t> </a:t>
+            </a:r>
+            <a:r>
+              <a:rPr lang="en-US" dirty="0" smtClean="0"/>
+              <a:t>Network Call, Generic </a:t>
+            </a:r>
+            <a:r>
+              <a:rPr lang="en-US" dirty="0" err="1" smtClean="0"/>
+              <a:t>Enum</a:t>
             </a:r>
             <a:endParaRPr lang="en-US" dirty="0"/>
           </a:p>
           <a:p>
-            <a:pPr>
-              <a:buNone/>
-            </a:pPr>
-            <a:r>
-              <a:rPr lang="en-US" b="1" dirty="0" smtClean="0"/>
-              <a:t>Observer </a:t>
+            <a:r>
+              <a:rPr lang="en-US" dirty="0"/>
+              <a:t>Day </a:t>
             </a:r>
             <a:r>
               <a:rPr lang="en-US" dirty="0" smtClean="0"/>
+              <a:t>3 </a:t>
+            </a:r>
+            <a:r>
+              <a:rPr lang="mr-IN" dirty="0"/>
+              <a:t>–</a:t>
+            </a:r>
+            <a:r>
+              <a:rPr lang="en-US" dirty="0"/>
               <a:t> </a:t>
             </a:r>
+            <a:r>
+              <a:rPr lang="en-US" dirty="0" smtClean="0"/>
+              <a:t>Binding Track Activity (show / hide ‘Loading’ )</a:t>
+            </a:r>
+            <a:endParaRPr lang="en-US" dirty="0"/>
           </a:p>
           <a:p>
-            <a:pPr>
-              <a:buNone/>
-            </a:pPr>
-            <a:r>
-              <a:rPr lang="en-US" b="1" dirty="0" err="1" smtClean="0"/>
-              <a:t>PublishSubject</a:t>
-            </a:r>
-            <a:r>
-              <a:rPr lang="en-US" b="1" dirty="0" smtClean="0"/>
-              <a:t>, </a:t>
-            </a:r>
-            <a:r>
-              <a:rPr lang="en-US" b="1" dirty="0" err="1" smtClean="0"/>
-              <a:t>BehaviorSubject</a:t>
-            </a:r>
-            <a:r>
-              <a:rPr lang="en-US" b="1" dirty="0" smtClean="0"/>
-              <a:t>, </a:t>
-            </a:r>
-            <a:r>
-              <a:rPr lang="en-US" b="1" dirty="0" err="1" smtClean="0"/>
-              <a:t>ReplaySubject</a:t>
-            </a:r>
-            <a:endParaRPr lang="en-US" b="1" dirty="0" smtClean="0"/>
+            <a:r>
+              <a:rPr lang="en-US" dirty="0"/>
+              <a:t>Day </a:t>
+            </a:r>
+            <a:r>
+              <a:rPr lang="en-US" dirty="0" smtClean="0"/>
+              <a:t>4 </a:t>
+            </a:r>
+            <a:r>
+              <a:rPr lang="mr-IN" dirty="0"/>
+              <a:t>–</a:t>
+            </a:r>
+            <a:r>
+              <a:rPr lang="en-US" dirty="0"/>
+              <a:t> </a:t>
+            </a:r>
+            <a:r>
+              <a:rPr lang="en-US" dirty="0" smtClean="0"/>
+              <a:t>Advanced </a:t>
+            </a:r>
+            <a:r>
+              <a:rPr lang="en-US" dirty="0" err="1" smtClean="0"/>
+              <a:t>Tab</a:t>
+            </a:r>
+            <a:r>
+              <a:rPr lang="en-US" dirty="0" err="1" smtClean="0"/>
+              <a:t>leView</a:t>
+            </a:r>
+            <a:r>
+              <a:rPr lang="en-US" dirty="0" smtClean="0"/>
+              <a:t> - </a:t>
+            </a:r>
+            <a:r>
+              <a:rPr lang="en-US" dirty="0" err="1" smtClean="0"/>
+              <a:t>RxDataSources</a:t>
+            </a:r>
+            <a:endParaRPr lang="en-US" dirty="0"/>
           </a:p>
           <a:p>
-            <a:pPr>
+            <a:r>
+              <a:rPr lang="en-US" dirty="0"/>
+              <a:t>Day </a:t>
+            </a:r>
+            <a:r>
+              <a:rPr lang="en-US" dirty="0" smtClean="0"/>
+              <a:t>5 </a:t>
+            </a:r>
+            <a:r>
+              <a:rPr lang="mr-IN" dirty="0"/>
+              <a:t>–</a:t>
+            </a:r>
+            <a:r>
+              <a:rPr lang="en-US" dirty="0"/>
+              <a:t> </a:t>
+            </a:r>
+            <a:r>
+              <a:rPr lang="en-US" dirty="0" smtClean="0"/>
+              <a:t>Schedu</a:t>
+            </a:r>
+            <a:r>
+              <a:rPr lang="en-US" dirty="0" smtClean="0"/>
+              <a:t>lers (</a:t>
+            </a:r>
+            <a:r>
+              <a:rPr lang="en-US" dirty="0" err="1" smtClean="0"/>
+              <a:t>observeOn</a:t>
+            </a:r>
+            <a:r>
+              <a:rPr lang="en-US" dirty="0" smtClean="0"/>
+              <a:t>, </a:t>
+            </a:r>
+            <a:r>
+              <a:rPr lang="en-US" dirty="0" err="1" smtClean="0"/>
+              <a:t>subscribeOn</a:t>
+            </a:r>
+            <a:r>
+              <a:rPr lang="en-US" dirty="0" smtClean="0"/>
+              <a:t>), </a:t>
+            </a:r>
+          </a:p>
+          <a:p>
+            <a:pPr lvl="1">
               <a:buNone/>
             </a:pPr>
             <a:r>
-              <a:rPr lang="en-US" b="1" dirty="0" err="1" smtClean="0"/>
-              <a:t>PublishRelay</a:t>
-            </a:r>
-            <a:r>
-              <a:rPr lang="en-US" b="1" dirty="0" smtClean="0"/>
+              <a:rPr lang="en-US" dirty="0"/>
+              <a:t>	</a:t>
+            </a:r>
+            <a:r>
+              <a:rPr lang="en-US" dirty="0" smtClean="0"/>
+              <a:t>	Unit Test (</a:t>
+            </a:r>
+            <a:r>
+              <a:rPr lang="en-US" dirty="0" err="1" smtClean="0"/>
+              <a:t>RxTest</a:t>
+            </a:r>
+            <a:r>
+              <a:rPr lang="en-US" dirty="0" smtClean="0"/>
               <a:t>, </a:t>
             </a:r>
             <a:r>
-              <a:rPr lang="en-US" b="1" dirty="0" err="1" smtClean="0"/>
-              <a:t>BehaviorRelay</a:t>
-            </a:r>
-            <a:r>
-              <a:rPr lang="en-US" b="1" dirty="0" smtClean="0"/>
-              <a:t> (Variable)</a:t>
+              <a:rPr lang="en-US" dirty="0" err="1" smtClean="0"/>
+              <a:t>RxBlocking</a:t>
+            </a:r>
+            <a:r>
+              <a:rPr lang="en-US" dirty="0" smtClean="0"/>
+              <a:t>)</a:t>
             </a:r>
             <a:endParaRPr lang="en-US" dirty="0"/>
+          </a:p>
+          <a:p>
+            <a:endParaRPr lang="en-US" dirty="0" smtClean="0"/>
           </a:p>
         </p:txBody>
       </p:sp>
     </p:spTree>
     <p:extLst>
       <p:ext uri="{BB962C8B-B14F-4D97-AF65-F5344CB8AC3E}">
-        <p14:creationId xmlns:p14="http://schemas.microsoft.com/office/powerpoint/2010/main" val="1920796579"/>
+        <p14:creationId xmlns:p14="http://schemas.microsoft.com/office/powerpoint/2010/main" val="1787829413"/>
       </p:ext>
     </p:extLst>
   </p:cSld>
@@ -5603,8 +6016,8 @@
               <a:buNone/>
             </a:pPr>
             <a:r>
-              <a:rPr lang="en-US" dirty="0" err="1" smtClean="0"/>
-              <a:t>PublishSubject</a:t>
+              <a:rPr lang="en-US" dirty="0" smtClean="0"/>
+              <a:t>Subject</a:t>
             </a:r>
             <a:endParaRPr lang="en" dirty="0"/>
           </a:p>
@@ -5679,70 +6092,107 @@
           </a:prstGeom>
         </p:spPr>
       </p:pic>
-      <p:pic>
-        <p:nvPicPr>
-          <p:cNvPr id="5" name="Picture 4" descr="Screen Shot 2018-04-27 at 11.43.00 PM.png"/>
-          <p:cNvPicPr>
-            <a:picLocks noChangeAspect="1"/>
-          </p:cNvPicPr>
-          <p:nvPr/>
-        </p:nvPicPr>
-        <p:blipFill>
-          <a:blip r:embed="rId4">
-            <a:extLst>
-              <a:ext uri="{28A0092B-C50C-407E-A947-70E740481C1C}">
-                <a14:useLocalDpi xmlns:a14="http://schemas.microsoft.com/office/drawing/2010/main" val="0"/>
-              </a:ext>
-            </a:extLst>
-          </a:blip>
-          <a:stretch>
-            <a:fillRect/>
-          </a:stretch>
-        </p:blipFill>
-        <p:spPr>
-          <a:xfrm>
-            <a:off x="205946" y="1324856"/>
-            <a:ext cx="3624649" cy="3818644"/>
+      <p:sp>
+        <p:nvSpPr>
+          <p:cNvPr id="7" name="Shape 237"/>
+          <p:cNvSpPr txBox="1">
+            <a:spLocks noGrp="1"/>
+          </p:cNvSpPr>
+          <p:nvPr>
+            <p:ph type="body" idx="1"/>
+          </p:nvPr>
+        </p:nvSpPr>
+        <p:spPr>
+          <a:xfrm>
+            <a:off x="814274" y="1626347"/>
+            <a:ext cx="6941095" cy="2245437"/>
           </a:xfrm>
           <a:prstGeom prst="rect">
             <a:avLst/>
           </a:prstGeom>
         </p:spPr>
-      </p:pic>
-      <p:pic>
-        <p:nvPicPr>
-          <p:cNvPr id="6" name="Picture 5" descr="Screen Shot 2018-04-27 at 11.43.30 PM.png"/>
-          <p:cNvPicPr>
-            <a:picLocks noChangeAspect="1"/>
-          </p:cNvPicPr>
-          <p:nvPr/>
-        </p:nvPicPr>
-        <p:blipFill>
-          <a:blip r:embed="rId5">
-            <a:extLst>
-              <a:ext uri="{28A0092B-C50C-407E-A947-70E740481C1C}">
-                <a14:useLocalDpi xmlns:a14="http://schemas.microsoft.com/office/drawing/2010/main" val="0"/>
-              </a:ext>
-            </a:extLst>
-          </a:blip>
-          <a:stretch>
-            <a:fillRect/>
-          </a:stretch>
-        </p:blipFill>
-        <p:spPr>
-          <a:xfrm>
-            <a:off x="5208591" y="1338280"/>
-            <a:ext cx="3159490" cy="3109656"/>
-          </a:xfrm>
-          <a:prstGeom prst="rect">
-            <a:avLst/>
-          </a:prstGeom>
-        </p:spPr>
-      </p:pic>
+        <p:txBody>
+          <a:bodyPr wrap="square" lIns="91425" tIns="91425" rIns="91425" bIns="91425" anchor="ctr" anchorCtr="0">
+            <a:noAutofit/>
+          </a:bodyPr>
+          <a:lstStyle/>
+          <a:p>
+            <a:pPr>
+              <a:buNone/>
+            </a:pPr>
+            <a:r>
+              <a:rPr lang="en-US" b="1" dirty="0"/>
+              <a:t>Observable </a:t>
+            </a:r>
+            <a:endParaRPr lang="en-US" dirty="0"/>
+          </a:p>
+          <a:p>
+            <a:pPr>
+              <a:buNone/>
+            </a:pPr>
+            <a:r>
+              <a:rPr lang="en-US" b="1" dirty="0" smtClean="0"/>
+              <a:t>Observer </a:t>
+            </a:r>
+            <a:r>
+              <a:rPr lang="en-US" dirty="0" smtClean="0"/>
+              <a:t> </a:t>
+            </a:r>
+          </a:p>
+          <a:p>
+            <a:pPr>
+              <a:buNone/>
+            </a:pPr>
+            <a:r>
+              <a:rPr lang="en-US" b="1" dirty="0" err="1" smtClean="0"/>
+              <a:t>PublishSubject</a:t>
+            </a:r>
+            <a:r>
+              <a:rPr lang="en-US" b="1" dirty="0" smtClean="0"/>
+              <a:t>, </a:t>
+            </a:r>
+            <a:r>
+              <a:rPr lang="en-US" b="1" dirty="0" err="1" smtClean="0"/>
+              <a:t>BehaviorSubject</a:t>
+            </a:r>
+            <a:r>
+              <a:rPr lang="en-US" b="1" dirty="0" smtClean="0"/>
+              <a:t>, </a:t>
+            </a:r>
+            <a:r>
+              <a:rPr lang="en-US" b="1" dirty="0" err="1" smtClean="0"/>
+              <a:t>ReplaySubject</a:t>
+            </a:r>
+            <a:endParaRPr lang="en-US" b="1" dirty="0" smtClean="0"/>
+          </a:p>
+          <a:p>
+            <a:pPr>
+              <a:buNone/>
+            </a:pPr>
+            <a:r>
+              <a:rPr lang="en-US" b="1" dirty="0" err="1" smtClean="0"/>
+              <a:t>PublishRelay</a:t>
+            </a:r>
+            <a:r>
+              <a:rPr lang="en-US" b="1" dirty="0" smtClean="0"/>
+              <a:t>, </a:t>
+            </a:r>
+            <a:r>
+              <a:rPr lang="en-US" b="1" dirty="0" err="1" smtClean="0"/>
+              <a:t>BehaviorRelay</a:t>
+            </a:r>
+            <a:r>
+              <a:rPr lang="en-US" b="1" dirty="0" smtClean="0"/>
+              <a:t> (Variable)</a:t>
+            </a:r>
+            <a:endParaRPr lang="en-US" dirty="0"/>
+          </a:p>
+        </p:txBody>
+      </p:sp>
     </p:spTree>
     <p:extLst>
       <p:ext uri="{BB962C8B-B14F-4D97-AF65-F5344CB8AC3E}">
-        <p14:creationId xmlns:p14="http://schemas.microsoft.com/office/powerpoint/2010/main" val="600279464"/>
+        <p14:creationId xmlns:p14="http://schemas.microsoft.com/office/powerpoint/2010/main" val="1920796579"/>
       </p:ext>
     </p:extLst>
   </p:cSld>
@@ -5809,7 +6259,7 @@
             </a:pPr>
             <a:r>
               <a:rPr lang="en-US" dirty="0" err="1" smtClean="0"/>
-              <a:t>BehaviorSubject</a:t>
+              <a:t>PublishSubject</a:t>
             </a:r>
             <a:endParaRPr lang="en" dirty="0"/>
           </a:p>
@@ -5886,7 +6336,7 @@
       </p:pic>
       <p:pic>
         <p:nvPicPr>
-          <p:cNvPr id="3" name="Picture 2" descr="Screen Shot 2018-04-28 at 9.00.53 PM.png"/>
+          <p:cNvPr id="5" name="Picture 4" descr="Screen Shot 2018-04-27 at 11.43.00 PM.png"/>
           <p:cNvPicPr>
             <a:picLocks noChangeAspect="1"/>
           </p:cNvPicPr>
@@ -5906,8 +6356,38 @@
         </p:blipFill>
         <p:spPr>
           <a:xfrm>
-            <a:off x="558319" y="1341442"/>
-            <a:ext cx="4607662" cy="3802058"/>
+            <a:off x="205946" y="1324856"/>
+            <a:ext cx="3624649" cy="3818644"/>
+          </a:xfrm>
+          <a:prstGeom prst="rect">
+            <a:avLst/>
+          </a:prstGeom>
+        </p:spPr>
+      </p:pic>
+      <p:pic>
+        <p:nvPicPr>
+          <p:cNvPr id="6" name="Picture 5" descr="Screen Shot 2018-04-27 at 11.43.30 PM.png"/>
+          <p:cNvPicPr>
+            <a:picLocks noChangeAspect="1"/>
+          </p:cNvPicPr>
+          <p:nvPr/>
+        </p:nvPicPr>
+        <p:blipFill>
+          <a:blip r:embed="rId5">
+            <a:extLst>
+              <a:ext uri="{28A0092B-C50C-407E-A947-70E740481C1C}">
+                <a14:useLocalDpi xmlns:a14="http://schemas.microsoft.com/office/drawing/2010/main" val="0"/>
+              </a:ext>
+            </a:extLst>
+          </a:blip>
+          <a:stretch>
+            <a:fillRect/>
+          </a:stretch>
+        </p:blipFill>
+        <p:spPr>
+          <a:xfrm>
+            <a:off x="5208591" y="1338280"/>
+            <a:ext cx="3159490" cy="3109656"/>
           </a:xfrm>
           <a:prstGeom prst="rect">
             <a:avLst/>
@@ -5917,7 +6397,7 @@
     </p:spTree>
     <p:extLst>
       <p:ext uri="{BB962C8B-B14F-4D97-AF65-F5344CB8AC3E}">
-        <p14:creationId xmlns:p14="http://schemas.microsoft.com/office/powerpoint/2010/main" val="772912990"/>
+        <p14:creationId xmlns:p14="http://schemas.microsoft.com/office/powerpoint/2010/main" val="600279464"/>
       </p:ext>
     </p:extLst>
   </p:cSld>
@@ -5984,7 +6464,7 @@
             </a:pPr>
             <a:r>
               <a:rPr lang="en-US" dirty="0" err="1" smtClean="0"/>
-              <a:t>ReplaySubject</a:t>
+              <a:t>BehaviorSubject</a:t>
             </a:r>
             <a:endParaRPr lang="en" dirty="0"/>
           </a:p>
@@ -6061,7 +6541,7 @@
       </p:pic>
       <p:pic>
         <p:nvPicPr>
-          <p:cNvPr id="4" name="Picture 3" descr="Screen Shot 2018-04-28 at 9.19.04 PM.png"/>
+          <p:cNvPr id="3" name="Picture 2" descr="Screen Shot 2018-04-28 at 9.00.53 PM.png"/>
           <p:cNvPicPr>
             <a:picLocks noChangeAspect="1"/>
           </p:cNvPicPr>
@@ -6081,38 +6561,8 @@
         </p:blipFill>
         <p:spPr>
           <a:xfrm>
-            <a:off x="24543" y="1353629"/>
-            <a:ext cx="4948219" cy="3092637"/>
-          </a:xfrm>
-          <a:prstGeom prst="rect">
-            <a:avLst/>
-          </a:prstGeom>
-        </p:spPr>
-      </p:pic>
-      <p:pic>
-        <p:nvPicPr>
-          <p:cNvPr id="5" name="Picture 4" descr="Screen Shot 2018-04-28 at 9.19.14 PM.png"/>
-          <p:cNvPicPr>
-            <a:picLocks noChangeAspect="1"/>
-          </p:cNvPicPr>
-          <p:nvPr/>
-        </p:nvPicPr>
-        <p:blipFill>
-          <a:blip r:embed="rId5">
-            <a:extLst>
-              <a:ext uri="{28A0092B-C50C-407E-A947-70E740481C1C}">
-                <a14:useLocalDpi xmlns:a14="http://schemas.microsoft.com/office/drawing/2010/main" val="0"/>
-              </a:ext>
-            </a:extLst>
-          </a:blip>
-          <a:stretch>
-            <a:fillRect/>
-          </a:stretch>
-        </p:blipFill>
-        <p:spPr>
-          <a:xfrm>
-            <a:off x="5613861" y="1320938"/>
-            <a:ext cx="3178122" cy="3125329"/>
+            <a:off x="558319" y="1341442"/>
+            <a:ext cx="4607662" cy="3802058"/>
           </a:xfrm>
           <a:prstGeom prst="rect">
             <a:avLst/>
@@ -6122,7 +6572,7 @@
     </p:spTree>
     <p:extLst>
       <p:ext uri="{BB962C8B-B14F-4D97-AF65-F5344CB8AC3E}">
-        <p14:creationId xmlns:p14="http://schemas.microsoft.com/office/powerpoint/2010/main" val="3159587174"/>
+        <p14:creationId xmlns:p14="http://schemas.microsoft.com/office/powerpoint/2010/main" val="772912990"/>
       </p:ext>
     </p:extLst>
   </p:cSld>
@@ -6188,8 +6638,8 @@
               <a:buNone/>
             </a:pPr>
             <a:r>
-              <a:rPr lang="en-US" dirty="0" smtClean="0"/>
-              <a:t>Lab - 1</a:t>
+              <a:rPr lang="en-US" dirty="0" err="1" smtClean="0"/>
+              <a:t>ReplaySubject</a:t>
             </a:r>
             <a:endParaRPr lang="en" dirty="0"/>
           </a:p>
@@ -6264,56 +6714,70 @@
           </a:prstGeom>
         </p:spPr>
       </p:pic>
-      <p:sp>
-        <p:nvSpPr>
-          <p:cNvPr id="3" name="TextBox 2"/>
-          <p:cNvSpPr txBox="1"/>
+      <p:pic>
+        <p:nvPicPr>
+          <p:cNvPr id="4" name="Picture 3" descr="Screen Shot 2018-04-28 at 9.19.04 PM.png"/>
+          <p:cNvPicPr>
+            <a:picLocks noChangeAspect="1"/>
+          </p:cNvPicPr>
           <p:nvPr/>
-        </p:nvSpPr>
-        <p:spPr>
-          <a:xfrm>
-            <a:off x="998682" y="1720273"/>
-            <a:ext cx="4044697" cy="307777"/>
+        </p:nvPicPr>
+        <p:blipFill>
+          <a:blip r:embed="rId4">
+            <a:extLst>
+              <a:ext uri="{28A0092B-C50C-407E-A947-70E740481C1C}">
+                <a14:useLocalDpi xmlns:a14="http://schemas.microsoft.com/office/drawing/2010/main" val="0"/>
+              </a:ext>
+            </a:extLst>
+          </a:blip>
+          <a:stretch>
+            <a:fillRect/>
+          </a:stretch>
+        </p:blipFill>
+        <p:spPr>
+          <a:xfrm>
+            <a:off x="24543" y="1353629"/>
+            <a:ext cx="4948219" cy="3092637"/>
           </a:xfrm>
           <a:prstGeom prst="rect">
             <a:avLst/>
           </a:prstGeom>
-          <a:noFill/>
-        </p:spPr>
-        <p:txBody>
-          <a:bodyPr wrap="none" rtlCol="0">
-            <a:spAutoFit/>
-          </a:bodyPr>
-          <a:lstStyle/>
-          <a:p>
-            <a:r>
-              <a:rPr lang="en-US" dirty="0" err="1" smtClean="0"/>
-              <a:t>BehaviorSubject</a:t>
-            </a:r>
-            <a:r>
-              <a:rPr lang="en-US" dirty="0" smtClean="0"/>
-              <a:t>, </a:t>
-            </a:r>
-            <a:r>
-              <a:rPr lang="en-US" dirty="0" err="1" smtClean="0"/>
-              <a:t>PublishSubject</a:t>
-            </a:r>
-            <a:r>
-              <a:rPr lang="en-US" dirty="0" smtClean="0"/>
-              <a:t>, </a:t>
-            </a:r>
-            <a:r>
-              <a:rPr lang="en-US" dirty="0" err="1" smtClean="0"/>
-              <a:t>ReplaySubject</a:t>
-            </a:r>
-            <a:endParaRPr lang="en-US" dirty="0"/>
-          </a:p>
-        </p:txBody>
-      </p:sp>
+        </p:spPr>
+      </p:pic>
+      <p:pic>
+        <p:nvPicPr>
+          <p:cNvPr id="5" name="Picture 4" descr="Screen Shot 2018-04-28 at 9.19.14 PM.png"/>
+          <p:cNvPicPr>
+            <a:picLocks noChangeAspect="1"/>
+          </p:cNvPicPr>
+          <p:nvPr/>
+        </p:nvPicPr>
+        <p:blipFill>
+          <a:blip r:embed="rId5">
+            <a:extLst>
+              <a:ext uri="{28A0092B-C50C-407E-A947-70E740481C1C}">
+                <a14:useLocalDpi xmlns:a14="http://schemas.microsoft.com/office/drawing/2010/main" val="0"/>
+              </a:ext>
+            </a:extLst>
+          </a:blip>
+          <a:stretch>
+            <a:fillRect/>
+          </a:stretch>
+        </p:blipFill>
+        <p:spPr>
+          <a:xfrm>
+            <a:off x="5613861" y="1320938"/>
+            <a:ext cx="3178122" cy="3125329"/>
+          </a:xfrm>
+          <a:prstGeom prst="rect">
+            <a:avLst/>
+          </a:prstGeom>
+        </p:spPr>
+      </p:pic>
     </p:spTree>
     <p:extLst>
       <p:ext uri="{BB962C8B-B14F-4D97-AF65-F5344CB8AC3E}">
-        <p14:creationId xmlns:p14="http://schemas.microsoft.com/office/powerpoint/2010/main" val="1900758707"/>
+        <p14:creationId xmlns:p14="http://schemas.microsoft.com/office/powerpoint/2010/main" val="3159587174"/>
       </p:ext>
     </p:extLst>
   </p:cSld>
@@ -6379,28 +6843,8 @@
               <a:buNone/>
             </a:pPr>
             <a:r>
-              <a:rPr lang="en-US" dirty="0" err="1" smtClean="0"/>
-              <a:t>flatMap</a:t>
-            </a:r>
-            <a:r>
               <a:rPr lang="en-US" dirty="0" smtClean="0"/>
-              <a:t>, </a:t>
-            </a:r>
-            <a:r>
-              <a:rPr lang="en-US" dirty="0" err="1" smtClean="0"/>
-              <a:t>flatMapFirst</a:t>
-            </a:r>
-            <a:r>
-              <a:rPr lang="en-US" dirty="0" smtClean="0"/>
-              <a:t>, </a:t>
-            </a:r>
-            <a:r>
-              <a:rPr lang="en-US" dirty="0" err="1" smtClean="0"/>
-              <a:t>flatMapLatest</a:t>
-            </a:r>
-            <a:r>
-              <a:rPr lang="en-US" dirty="0" smtClean="0"/>
-              <a:t> - 1</a:t>
+              <a:t>Lab - 1</a:t>
             </a:r>
             <a:endParaRPr lang="en" dirty="0"/>
           </a:p>
@@ -6475,40 +6919,56 @@
           </a:prstGeom>
         </p:spPr>
       </p:pic>
-      <p:pic>
-        <p:nvPicPr>
-          <p:cNvPr id="5" name="Picture 4" descr="Screen Shot 2018-04-28 at 10.49.25 PM.png"/>
-          <p:cNvPicPr>
-            <a:picLocks noChangeAspect="1"/>
-          </p:cNvPicPr>
+      <p:sp>
+        <p:nvSpPr>
+          <p:cNvPr id="3" name="TextBox 2"/>
+          <p:cNvSpPr txBox="1"/>
           <p:nvPr/>
-        </p:nvPicPr>
-        <p:blipFill>
-          <a:blip r:embed="rId4">
-            <a:extLst>
-              <a:ext uri="{28A0092B-C50C-407E-A947-70E740481C1C}">
-                <a14:useLocalDpi xmlns:a14="http://schemas.microsoft.com/office/drawing/2010/main" val="0"/>
-              </a:ext>
-            </a:extLst>
-          </a:blip>
-          <a:stretch>
-            <a:fillRect/>
-          </a:stretch>
-        </p:blipFill>
-        <p:spPr>
-          <a:xfrm>
-            <a:off x="1414869" y="1158775"/>
-            <a:ext cx="3455543" cy="3953294"/>
+        </p:nvSpPr>
+        <p:spPr>
+          <a:xfrm>
+            <a:off x="998682" y="1720273"/>
+            <a:ext cx="4044697" cy="307777"/>
           </a:xfrm>
           <a:prstGeom prst="rect">
             <a:avLst/>
           </a:prstGeom>
-        </p:spPr>
-      </p:pic>
+          <a:noFill/>
+        </p:spPr>
+        <p:txBody>
+          <a:bodyPr wrap="none" rtlCol="0">
+            <a:spAutoFit/>
+          </a:bodyPr>
+          <a:lstStyle/>
+          <a:p>
+            <a:r>
+              <a:rPr lang="en-US" dirty="0" err="1" smtClean="0"/>
+              <a:t>BehaviorSubject</a:t>
+            </a:r>
+            <a:r>
+              <a:rPr lang="en-US" dirty="0" smtClean="0"/>
+              <a:t>, </a:t>
+            </a:r>
+            <a:r>
+              <a:rPr lang="en-US" dirty="0" err="1" smtClean="0"/>
+              <a:t>PublishSubject</a:t>
+            </a:r>
+            <a:r>
+              <a:rPr lang="en-US" dirty="0" smtClean="0"/>
+              <a:t>, </a:t>
+            </a:r>
+            <a:r>
+              <a:rPr lang="en-US" dirty="0" err="1" smtClean="0"/>
+              <a:t>ReplaySubject</a:t>
+            </a:r>
+            <a:endParaRPr lang="en-US" dirty="0"/>
+          </a:p>
+        </p:txBody>
+      </p:sp>
     </p:spTree>
     <p:extLst>
       <p:ext uri="{BB962C8B-B14F-4D97-AF65-F5344CB8AC3E}">
-        <p14:creationId xmlns:p14="http://schemas.microsoft.com/office/powerpoint/2010/main" val="640576846"/>
+        <p14:creationId xmlns:p14="http://schemas.microsoft.com/office/powerpoint/2010/main" val="1900758707"/>
       </p:ext>
     </p:extLst>
   </p:cSld>
@@ -6595,7 +7055,7 @@
             </a:r>
             <a:r>
               <a:rPr lang="en-US" dirty="0" smtClean="0"/>
-              <a:t> - 2</a:t>
+              <a:t> - 1</a:t>
             </a:r>
             <a:endParaRPr lang="en" dirty="0"/>
           </a:p>
@@ -6672,7 +7132,7 @@
       </p:pic>
       <p:pic>
         <p:nvPicPr>
-          <p:cNvPr id="4" name="Picture 3" descr="Screen Shot 2018-04-28 at 10.50.58 PM.png"/>
+          <p:cNvPr id="5" name="Picture 4" descr="Screen Shot 2018-04-28 at 10.49.25 PM.png"/>
           <p:cNvPicPr>
             <a:picLocks noChangeAspect="1"/>
           </p:cNvPicPr>
@@ -6692,8 +7152,8 @@
         </p:blipFill>
         <p:spPr>
           <a:xfrm>
-            <a:off x="1168477" y="1158776"/>
-            <a:ext cx="4197500" cy="3984724"/>
+            <a:off x="1414869" y="1158775"/>
+            <a:ext cx="3455543" cy="3953294"/>
           </a:xfrm>
           <a:prstGeom prst="rect">
             <a:avLst/>
@@ -6703,7 +7163,7 @@
     </p:spTree>
     <p:extLst>
       <p:ext uri="{BB962C8B-B14F-4D97-AF65-F5344CB8AC3E}">
-        <p14:creationId xmlns:p14="http://schemas.microsoft.com/office/powerpoint/2010/main" val="49246331"/>
+        <p14:creationId xmlns:p14="http://schemas.microsoft.com/office/powerpoint/2010/main" val="640576846"/>
       </p:ext>
     </p:extLst>
   </p:cSld>

--- a/RxSwiftBasics/day2/RxSwiftBasics2.pptx
+++ b/RxSwiftBasics/day2/RxSwiftBasics2.pptx
@@ -5761,11 +5761,7 @@
           <a:p>
             <a:r>
               <a:rPr lang="en-US" dirty="0" smtClean="0"/>
-              <a:t>Day </a:t>
-            </a:r>
-            <a:r>
-              <a:rPr lang="en-US" dirty="0" smtClean="0"/>
-              <a:t>1 </a:t>
+              <a:t>Day 1 </a:t>
             </a:r>
             <a:r>
               <a:rPr lang="mr-IN" dirty="0" smtClean="0"/>
@@ -5849,20 +5845,30 @@
               <a:t> </a:t>
             </a:r>
             <a:r>
-              <a:rPr lang="en-US" dirty="0" smtClean="0"/>
-              <a:t>Advanced </a:t>
-            </a:r>
-            <a:r>
-              <a:rPr lang="en-US" dirty="0" err="1" smtClean="0"/>
-              <a:t>Tab</a:t>
-            </a:r>
-            <a:r>
-              <a:rPr lang="en-US" dirty="0" err="1" smtClean="0"/>
-              <a:t>leView</a:t>
-            </a:r>
-            <a:r>
-              <a:rPr lang="en-US" dirty="0" smtClean="0"/>
-              <a:t> - </a:t>
+              <a:rPr lang="en-US" dirty="0"/>
+              <a:t>Adding a Reactive Extension to Custom UI Element, </a:t>
+            </a:r>
+          </a:p>
+          <a:p>
+            <a:r>
+              <a:rPr lang="en-US" dirty="0"/>
+              <a:t>              2 Way Binding, Advanced </a:t>
+            </a:r>
+            <a:r>
+              <a:rPr lang="en-US" dirty="0" err="1"/>
+              <a:t>TableView</a:t>
+            </a:r>
+            <a:r>
+              <a:rPr lang="en-US" dirty="0"/>
+              <a:t> </a:t>
+            </a:r>
+            <a:r>
+              <a:rPr lang="mr-IN" dirty="0"/>
+              <a:t>–</a:t>
+            </a:r>
+            <a:r>
+              <a:rPr lang="en-US" dirty="0"/>
+              <a:t> </a:t>
             </a:r>
             <a:r>
               <a:rPr lang="en-US" dirty="0" err="1" smtClean="0"/>
@@ -5889,11 +5895,7 @@
             </a:r>
             <a:r>
               <a:rPr lang="en-US" dirty="0" smtClean="0"/>
-              <a:t>Schedu</a:t>
-            </a:r>
-            <a:r>
-              <a:rPr lang="en-US" dirty="0" smtClean="0"/>
-              <a:t>lers (</a:t>
+              <a:t>Schedulers (</a:t>
             </a:r>
             <a:r>
               <a:rPr lang="en-US" dirty="0" err="1" smtClean="0"/>

--- a/RxSwiftBasics/day2/RxSwiftBasics2.pptx
+++ b/RxSwiftBasics/day2/RxSwiftBasics2.pptx
@@ -5823,7 +5823,15 @@
             </a:r>
             <a:r>
               <a:rPr lang="en-US" dirty="0" smtClean="0"/>
-              <a:t>Binding Track Activity (show / hide ‘Loading’ )</a:t>
+              <a:t>Binding Track Activity (show / hide ‘Loading</a:t>
+            </a:r>
+            <a:r>
+              <a:rPr lang="en-US" smtClean="0"/>
+              <a:t>’ </a:t>
+            </a:r>
+            <a:r>
+              <a:rPr lang="en-US"/>
+              <a:t>), Scan Operator</a:t>
             </a:r>
             <a:endParaRPr lang="en-US" dirty="0"/>
           </a:p>
@@ -5842,11 +5850,7 @@
             </a:r>
             <a:r>
               <a:rPr lang="en-US" dirty="0"/>
-              <a:t> </a:t>
-            </a:r>
-            <a:r>
-              <a:rPr lang="en-US" dirty="0"/>
-              <a:t>Adding a Reactive Extension to Custom UI Element, </a:t>
+              <a:t> Adding a Reactive Extension to Custom UI Element, </a:t>
             </a:r>
           </a:p>
           <a:p>

--- a/RxSwiftBasics/day2/RxSwiftBasics2.pptx
+++ b/RxSwiftBasics/day2/RxSwiftBasics2.pptx
@@ -5,22 +5,23 @@
     <p:sldMasterId id="2147483657" r:id="rId1"/>
   </p:sldMasterIdLst>
   <p:notesMasterIdLst>
-    <p:notesMasterId r:id="rId15"/>
+    <p:notesMasterId r:id="rId16"/>
   </p:notesMasterIdLst>
   <p:sldIdLst>
     <p:sldId id="256" r:id="rId2"/>
     <p:sldId id="339" r:id="rId3"/>
     <p:sldId id="341" r:id="rId4"/>
     <p:sldId id="329" r:id="rId5"/>
-    <p:sldId id="330" r:id="rId6"/>
-    <p:sldId id="331" r:id="rId7"/>
-    <p:sldId id="332" r:id="rId8"/>
-    <p:sldId id="337" r:id="rId9"/>
-    <p:sldId id="333" r:id="rId10"/>
-    <p:sldId id="334" r:id="rId11"/>
-    <p:sldId id="335" r:id="rId12"/>
-    <p:sldId id="336" r:id="rId13"/>
-    <p:sldId id="338" r:id="rId14"/>
+    <p:sldId id="342" r:id="rId6"/>
+    <p:sldId id="330" r:id="rId7"/>
+    <p:sldId id="331" r:id="rId8"/>
+    <p:sldId id="332" r:id="rId9"/>
+    <p:sldId id="337" r:id="rId10"/>
+    <p:sldId id="333" r:id="rId11"/>
+    <p:sldId id="334" r:id="rId12"/>
+    <p:sldId id="335" r:id="rId13"/>
+    <p:sldId id="336" r:id="rId14"/>
+    <p:sldId id="338" r:id="rId15"/>
   </p:sldIdLst>
   <p:sldSz cx="9144000" cy="5143500" type="screen16x9"/>
   <p:notesSz cx="6858000" cy="9144000"/>
@@ -914,6 +915,107 @@
 </file>
 
 <file path=ppt/notesSlides/notesSlide13.xml><?xml version="1.0" encoding="utf-8"?>
+<p:notes xmlns:a="http://schemas.openxmlformats.org/drawingml/2006/main" xmlns:r="http://schemas.openxmlformats.org/officeDocument/2006/relationships" xmlns:p="http://schemas.openxmlformats.org/presentationml/2006/main" showMasterSp="0" showMasterPhAnim="0">
+  <p:cSld>
+    <p:spTree>
+      <p:nvGrpSpPr>
+        <p:cNvPr id="1" name="Shape 185"/>
+        <p:cNvGrpSpPr/>
+        <p:nvPr/>
+      </p:nvGrpSpPr>
+      <p:grpSpPr>
+        <a:xfrm>
+          <a:off x="0" y="0"/>
+          <a:ext cx="0" cy="0"/>
+          <a:chOff x="0" y="0"/>
+          <a:chExt cx="0" cy="0"/>
+        </a:xfrm>
+      </p:grpSpPr>
+      <p:sp>
+        <p:nvSpPr>
+          <p:cNvPr id="186" name="Shape 186"/>
+          <p:cNvSpPr>
+            <a:spLocks noGrp="1" noRot="1" noChangeAspect="1"/>
+          </p:cNvSpPr>
+          <p:nvPr>
+            <p:ph type="sldImg" idx="2"/>
+          </p:nvPr>
+        </p:nvSpPr>
+        <p:spPr>
+          <a:xfrm>
+            <a:off x="381000" y="685800"/>
+            <a:ext cx="6096000" cy="3429000"/>
+          </a:xfrm>
+          <a:custGeom>
+            <a:avLst/>
+            <a:gdLst/>
+            <a:ahLst/>
+            <a:cxnLst/>
+            <a:rect l="0" t="0" r="0" b="0"/>
+            <a:pathLst>
+              <a:path w="120000" h="120000" extrusionOk="0">
+                <a:moveTo>
+                  <a:pt x="0" y="0"/>
+                </a:moveTo>
+                <a:lnTo>
+                  <a:pt x="120000" y="0"/>
+                </a:lnTo>
+                <a:lnTo>
+                  <a:pt x="120000" y="120000"/>
+                </a:lnTo>
+                <a:lnTo>
+                  <a:pt x="0" y="120000"/>
+                </a:lnTo>
+                <a:close/>
+              </a:path>
+            </a:pathLst>
+          </a:custGeom>
+        </p:spPr>
+      </p:sp>
+      <p:sp>
+        <p:nvSpPr>
+          <p:cNvPr id="187" name="Shape 187"/>
+          <p:cNvSpPr txBox="1">
+            <a:spLocks noGrp="1"/>
+          </p:cNvSpPr>
+          <p:nvPr>
+            <p:ph type="body" idx="1"/>
+          </p:nvPr>
+        </p:nvSpPr>
+        <p:spPr>
+          <a:xfrm>
+            <a:off x="685800" y="4343400"/>
+            <a:ext cx="5486400" cy="4114800"/>
+          </a:xfrm>
+          <a:prstGeom prst="rect">
+            <a:avLst/>
+          </a:prstGeom>
+        </p:spPr>
+        <p:txBody>
+          <a:bodyPr wrap="square" lIns="91425" tIns="91425" rIns="91425" bIns="91425" anchor="t" anchorCtr="0">
+            <a:noAutofit/>
+          </a:bodyPr>
+          <a:lstStyle/>
+          <a:p>
+            <a:pPr lvl="0">
+              <a:spcBef>
+                <a:spcPts val="0"/>
+              </a:spcBef>
+              <a:buNone/>
+            </a:pPr>
+            <a:endParaRPr/>
+          </a:p>
+        </p:txBody>
+      </p:sp>
+    </p:spTree>
+  </p:cSld>
+  <p:clrMapOvr>
+    <a:masterClrMapping/>
+  </p:clrMapOvr>
+</p:notes>
+</file>
+
+<file path=ppt/notesSlides/notesSlide14.xml><?xml version="1.0" encoding="utf-8"?>
 <p:notes xmlns:a="http://schemas.openxmlformats.org/drawingml/2006/main" xmlns:r="http://schemas.openxmlformats.org/officeDocument/2006/relationships" xmlns:p="http://schemas.openxmlformats.org/presentationml/2006/main" showMasterSp="0" showMasterPhAnim="0">
   <p:cSld>
     <p:spTree>
@@ -4560,7 +4662,7 @@
             </a:r>
             <a:r>
               <a:rPr lang="en-US" dirty="0" smtClean="0"/>
-              <a:t> - 2</a:t>
+              <a:t> - 1</a:t>
             </a:r>
             <a:endParaRPr lang="en" dirty="0"/>
           </a:p>
@@ -4637,7 +4739,7 @@
       </p:pic>
       <p:pic>
         <p:nvPicPr>
-          <p:cNvPr id="4" name="Picture 3" descr="Screen Shot 2018-04-28 at 10.50.58 PM.png"/>
+          <p:cNvPr id="5" name="Picture 4" descr="Screen Shot 2018-04-28 at 10.49.25 PM.png"/>
           <p:cNvPicPr>
             <a:picLocks noChangeAspect="1"/>
           </p:cNvPicPr>
@@ -4657,8 +4759,8 @@
         </p:blipFill>
         <p:spPr>
           <a:xfrm>
-            <a:off x="1168477" y="1158776"/>
-            <a:ext cx="4197500" cy="3984724"/>
+            <a:off x="1414869" y="1158775"/>
+            <a:ext cx="3455543" cy="3953294"/>
           </a:xfrm>
           <a:prstGeom prst="rect">
             <a:avLst/>
@@ -4668,7 +4770,7 @@
     </p:spTree>
     <p:extLst>
       <p:ext uri="{BB962C8B-B14F-4D97-AF65-F5344CB8AC3E}">
-        <p14:creationId xmlns:p14="http://schemas.microsoft.com/office/powerpoint/2010/main" val="49246331"/>
+        <p14:creationId xmlns:p14="http://schemas.microsoft.com/office/powerpoint/2010/main" val="640576846"/>
       </p:ext>
     </p:extLst>
   </p:cSld>
@@ -4755,7 +4857,7 @@
             </a:r>
             <a:r>
               <a:rPr lang="en-US" dirty="0" smtClean="0"/>
-              <a:t> - 3</a:t>
+              <a:t> - 2</a:t>
             </a:r>
             <a:endParaRPr lang="en" dirty="0"/>
           </a:p>
@@ -4832,7 +4934,7 @@
       </p:pic>
       <p:pic>
         <p:nvPicPr>
-          <p:cNvPr id="3" name="Picture 2" descr="Screen Shot 2018-04-28 at 10.53.14 PM.png"/>
+          <p:cNvPr id="4" name="Picture 3" descr="Screen Shot 2018-04-28 at 10.50.58 PM.png"/>
           <p:cNvPicPr>
             <a:picLocks noChangeAspect="1"/>
           </p:cNvPicPr>
@@ -4852,8 +4954,8 @@
         </p:blipFill>
         <p:spPr>
           <a:xfrm>
-            <a:off x="1516530" y="1158775"/>
-            <a:ext cx="4304665" cy="3984724"/>
+            <a:off x="1168477" y="1158776"/>
+            <a:ext cx="4197500" cy="3984724"/>
           </a:xfrm>
           <a:prstGeom prst="rect">
             <a:avLst/>
@@ -4863,7 +4965,7 @@
     </p:spTree>
     <p:extLst>
       <p:ext uri="{BB962C8B-B14F-4D97-AF65-F5344CB8AC3E}">
-        <p14:creationId xmlns:p14="http://schemas.microsoft.com/office/powerpoint/2010/main" val="1139717155"/>
+        <p14:creationId xmlns:p14="http://schemas.microsoft.com/office/powerpoint/2010/main" val="49246331"/>
       </p:ext>
     </p:extLst>
   </p:cSld>
@@ -4950,7 +5052,7 @@
             </a:r>
             <a:r>
               <a:rPr lang="en-US" dirty="0" smtClean="0"/>
-              <a:t> - 4</a:t>
+              <a:t> - 3</a:t>
             </a:r>
             <a:endParaRPr lang="en" dirty="0"/>
           </a:p>
@@ -5027,7 +5129,7 @@
       </p:pic>
       <p:pic>
         <p:nvPicPr>
-          <p:cNvPr id="4" name="Picture 3" descr="Screen Shot 2018-04-28 at 10.54.12 PM.png"/>
+          <p:cNvPr id="3" name="Picture 2" descr="Screen Shot 2018-04-28 at 10.53.14 PM.png"/>
           <p:cNvPicPr>
             <a:picLocks noChangeAspect="1"/>
           </p:cNvPicPr>
@@ -5047,8 +5149,8 @@
         </p:blipFill>
         <p:spPr>
           <a:xfrm>
-            <a:off x="1215438" y="1158774"/>
-            <a:ext cx="4179577" cy="3984725"/>
+            <a:off x="1516530" y="1158775"/>
+            <a:ext cx="4304665" cy="3984724"/>
           </a:xfrm>
           <a:prstGeom prst="rect">
             <a:avLst/>
@@ -5058,7 +5160,7 @@
     </p:spTree>
     <p:extLst>
       <p:ext uri="{BB962C8B-B14F-4D97-AF65-F5344CB8AC3E}">
-        <p14:creationId xmlns:p14="http://schemas.microsoft.com/office/powerpoint/2010/main" val="1991800521"/>
+        <p14:creationId xmlns:p14="http://schemas.microsoft.com/office/powerpoint/2010/main" val="1139717155"/>
       </p:ext>
     </p:extLst>
   </p:cSld>
@@ -5124,8 +5226,28 @@
               <a:buNone/>
             </a:pPr>
             <a:r>
+              <a:rPr lang="en-US" dirty="0" err="1" smtClean="0"/>
+              <a:t>flatMap</a:t>
+            </a:r>
+            <a:r>
               <a:rPr lang="en-US" dirty="0" smtClean="0"/>
-              <a:t>Lab -2</a:t>
+              <a:t>, </a:t>
+            </a:r>
+            <a:r>
+              <a:rPr lang="en-US" dirty="0" err="1" smtClean="0"/>
+              <a:t>flatMapFirst</a:t>
+            </a:r>
+            <a:r>
+              <a:rPr lang="en-US" dirty="0" smtClean="0"/>
+              <a:t>, </a:t>
+            </a:r>
+            <a:r>
+              <a:rPr lang="en-US" dirty="0" err="1" smtClean="0"/>
+              <a:t>flatMapLatest</a:t>
+            </a:r>
+            <a:r>
+              <a:rPr lang="en-US" dirty="0" smtClean="0"/>
+              <a:t> - 4</a:t>
             </a:r>
             <a:endParaRPr lang="en" dirty="0"/>
           </a:p>
@@ -5165,6 +5287,181 @@
             <a:fld id="{00000000-1234-1234-1234-123412341234}" type="slidenum">
               <a:rPr lang="en"/>
               <a:t>13</a:t>
+            </a:fld>
+            <a:endParaRPr lang="en"/>
+          </a:p>
+        </p:txBody>
+      </p:sp>
+      <p:pic>
+        <p:nvPicPr>
+          <p:cNvPr id="2" name="Picture 1" descr="Rx_Logo_M.png"/>
+          <p:cNvPicPr>
+            <a:picLocks noChangeAspect="1"/>
+          </p:cNvPicPr>
+          <p:nvPr/>
+        </p:nvPicPr>
+        <p:blipFill>
+          <a:blip r:embed="rId3">
+            <a:extLst>
+              <a:ext uri="{28A0092B-C50C-407E-A947-70E740481C1C}">
+                <a14:useLocalDpi xmlns:a14="http://schemas.microsoft.com/office/drawing/2010/main" val="0"/>
+              </a:ext>
+            </a:extLst>
+          </a:blip>
+          <a:stretch>
+            <a:fillRect/>
+          </a:stretch>
+        </p:blipFill>
+        <p:spPr>
+          <a:xfrm>
+            <a:off x="151129" y="442005"/>
+            <a:ext cx="663146" cy="663146"/>
+          </a:xfrm>
+          <a:prstGeom prst="rect">
+            <a:avLst/>
+          </a:prstGeom>
+        </p:spPr>
+      </p:pic>
+      <p:pic>
+        <p:nvPicPr>
+          <p:cNvPr id="4" name="Picture 3" descr="Screen Shot 2018-04-28 at 10.54.12 PM.png"/>
+          <p:cNvPicPr>
+            <a:picLocks noChangeAspect="1"/>
+          </p:cNvPicPr>
+          <p:nvPr/>
+        </p:nvPicPr>
+        <p:blipFill>
+          <a:blip r:embed="rId4">
+            <a:extLst>
+              <a:ext uri="{28A0092B-C50C-407E-A947-70E740481C1C}">
+                <a14:useLocalDpi xmlns:a14="http://schemas.microsoft.com/office/drawing/2010/main" val="0"/>
+              </a:ext>
+            </a:extLst>
+          </a:blip>
+          <a:stretch>
+            <a:fillRect/>
+          </a:stretch>
+        </p:blipFill>
+        <p:spPr>
+          <a:xfrm>
+            <a:off x="1215438" y="1158774"/>
+            <a:ext cx="4179577" cy="3984725"/>
+          </a:xfrm>
+          <a:prstGeom prst="rect">
+            <a:avLst/>
+          </a:prstGeom>
+        </p:spPr>
+      </p:pic>
+    </p:spTree>
+    <p:extLst>
+      <p:ext uri="{BB962C8B-B14F-4D97-AF65-F5344CB8AC3E}">
+        <p14:creationId xmlns:p14="http://schemas.microsoft.com/office/powerpoint/2010/main" val="1991800521"/>
+      </p:ext>
+    </p:extLst>
+  </p:cSld>
+  <p:clrMapOvr>
+    <a:masterClrMapping/>
+  </p:clrMapOvr>
+  <p:timing>
+    <p:tnLst>
+      <p:par>
+        <p:cTn xmlns:p14="http://schemas.microsoft.com/office/powerpoint/2010/main" id="1" dur="indefinite" restart="never" nodeType="tmRoot"/>
+      </p:par>
+    </p:tnLst>
+  </p:timing>
+</p:sld>
+</file>
+
+<file path=ppt/slides/slide14.xml><?xml version="1.0" encoding="utf-8"?>
+<p:sld xmlns:a="http://schemas.openxmlformats.org/drawingml/2006/main" xmlns:r="http://schemas.openxmlformats.org/officeDocument/2006/relationships" xmlns:p="http://schemas.openxmlformats.org/presentationml/2006/main">
+  <p:cSld>
+    <p:spTree>
+      <p:nvGrpSpPr>
+        <p:cNvPr id="1" name="Shape 188"/>
+        <p:cNvGrpSpPr/>
+        <p:nvPr/>
+      </p:nvGrpSpPr>
+      <p:grpSpPr>
+        <a:xfrm>
+          <a:off x="0" y="0"/>
+          <a:ext cx="0" cy="0"/>
+          <a:chOff x="0" y="0"/>
+          <a:chExt cx="0" cy="0"/>
+        </a:xfrm>
+      </p:grpSpPr>
+      <p:sp>
+        <p:nvSpPr>
+          <p:cNvPr id="189" name="Shape 189"/>
+          <p:cNvSpPr txBox="1">
+            <a:spLocks noGrp="1"/>
+          </p:cNvSpPr>
+          <p:nvPr>
+            <p:ph type="title"/>
+          </p:nvPr>
+        </p:nvSpPr>
+        <p:spPr>
+          <a:xfrm>
+            <a:off x="814275" y="392575"/>
+            <a:ext cx="5258400" cy="766200"/>
+          </a:xfrm>
+          <a:prstGeom prst="rect">
+            <a:avLst/>
+          </a:prstGeom>
+        </p:spPr>
+        <p:txBody>
+          <a:bodyPr wrap="square" lIns="91425" tIns="91425" rIns="91425" bIns="91425" anchor="ctr" anchorCtr="0">
+            <a:noAutofit/>
+          </a:bodyPr>
+          <a:lstStyle/>
+          <a:p>
+            <a:pPr lvl="0" rtl="0">
+              <a:spcBef>
+                <a:spcPts val="0"/>
+              </a:spcBef>
+              <a:buNone/>
+            </a:pPr>
+            <a:r>
+              <a:rPr lang="en-US" dirty="0" smtClean="0"/>
+              <a:t>Lab -2</a:t>
+            </a:r>
+            <a:endParaRPr lang="en" dirty="0"/>
+          </a:p>
+        </p:txBody>
+      </p:sp>
+      <p:sp>
+        <p:nvSpPr>
+          <p:cNvPr id="192" name="Shape 192"/>
+          <p:cNvSpPr txBox="1">
+            <a:spLocks noGrp="1"/>
+          </p:cNvSpPr>
+          <p:nvPr>
+            <p:ph type="sldNum" idx="12"/>
+          </p:nvPr>
+        </p:nvSpPr>
+        <p:spPr>
+          <a:xfrm>
+            <a:off x="7618000" y="4636500"/>
+            <a:ext cx="1487400" cy="315600"/>
+          </a:xfrm>
+          <a:prstGeom prst="rect">
+            <a:avLst/>
+          </a:prstGeom>
+        </p:spPr>
+        <p:txBody>
+          <a:bodyPr wrap="square" lIns="91425" tIns="91425" rIns="91425" bIns="91425" anchor="ctr" anchorCtr="0">
+            <a:noAutofit/>
+          </a:bodyPr>
+          <a:lstStyle/>
+          <a:p>
+            <a:pPr lvl="0">
+              <a:spcBef>
+                <a:spcPts val="0"/>
+              </a:spcBef>
+              <a:buNone/>
+            </a:pPr>
+            <a:fld id="{00000000-1234-1234-1234-123412341234}" type="slidenum">
+              <a:rPr lang="en"/>
+              <a:t>14</a:t>
             </a:fld>
             <a:endParaRPr lang="en"/>
           </a:p>
@@ -6264,8 +6561,8 @@
               <a:buNone/>
             </a:pPr>
             <a:r>
-              <a:rPr lang="en-US" dirty="0" err="1" smtClean="0"/>
-              <a:t>PublishSubject</a:t>
+              <a:rPr lang="en-US" dirty="0" smtClean="0"/>
+              <a:t>Subject</a:t>
             </a:r>
             <a:endParaRPr lang="en" dirty="0"/>
           </a:p>
@@ -6340,70 +6637,167 @@
           </a:prstGeom>
         </p:spPr>
       </p:pic>
-      <p:pic>
-        <p:nvPicPr>
-          <p:cNvPr id="5" name="Picture 4" descr="Screen Shot 2018-04-27 at 11.43.00 PM.png"/>
-          <p:cNvPicPr>
-            <a:picLocks noChangeAspect="1"/>
-          </p:cNvPicPr>
-          <p:nvPr/>
-        </p:nvPicPr>
-        <p:blipFill>
-          <a:blip r:embed="rId4">
-            <a:extLst>
-              <a:ext uri="{28A0092B-C50C-407E-A947-70E740481C1C}">
-                <a14:useLocalDpi xmlns:a14="http://schemas.microsoft.com/office/drawing/2010/main" val="0"/>
-              </a:ext>
-            </a:extLst>
-          </a:blip>
-          <a:stretch>
-            <a:fillRect/>
-          </a:stretch>
-        </p:blipFill>
-        <p:spPr>
-          <a:xfrm>
-            <a:off x="205946" y="1324856"/>
-            <a:ext cx="3624649" cy="3818644"/>
+      <p:sp>
+        <p:nvSpPr>
+          <p:cNvPr id="7" name="Shape 237"/>
+          <p:cNvSpPr txBox="1">
+            <a:spLocks noGrp="1"/>
+          </p:cNvSpPr>
+          <p:nvPr>
+            <p:ph type="body" idx="1"/>
+          </p:nvPr>
+        </p:nvSpPr>
+        <p:spPr>
+          <a:xfrm>
+            <a:off x="814274" y="1323185"/>
+            <a:ext cx="6941095" cy="3376401"/>
           </a:xfrm>
           <a:prstGeom prst="rect">
             <a:avLst/>
           </a:prstGeom>
         </p:spPr>
-      </p:pic>
-      <p:pic>
-        <p:nvPicPr>
-          <p:cNvPr id="6" name="Picture 5" descr="Screen Shot 2018-04-27 at 11.43.30 PM.png"/>
-          <p:cNvPicPr>
-            <a:picLocks noChangeAspect="1"/>
-          </p:cNvPicPr>
-          <p:nvPr/>
-        </p:nvPicPr>
-        <p:blipFill>
-          <a:blip r:embed="rId5">
-            <a:extLst>
-              <a:ext uri="{28A0092B-C50C-407E-A947-70E740481C1C}">
-                <a14:useLocalDpi xmlns:a14="http://schemas.microsoft.com/office/drawing/2010/main" val="0"/>
-              </a:ext>
-            </a:extLst>
-          </a:blip>
-          <a:stretch>
-            <a:fillRect/>
-          </a:stretch>
-        </p:blipFill>
-        <p:spPr>
-          <a:xfrm>
-            <a:off x="5208591" y="1338280"/>
-            <a:ext cx="3159490" cy="3109656"/>
-          </a:xfrm>
-          <a:prstGeom prst="rect">
-            <a:avLst/>
-          </a:prstGeom>
-        </p:spPr>
-      </p:pic>
+        <p:txBody>
+          <a:bodyPr wrap="square" lIns="91425" tIns="91425" rIns="91425" bIns="91425" anchor="ctr" anchorCtr="0">
+            <a:noAutofit/>
+          </a:bodyPr>
+          <a:lstStyle/>
+          <a:p>
+            <a:pPr>
+              <a:buNone/>
+            </a:pPr>
+            <a:r>
+              <a:rPr lang="en-US" sz="1400" dirty="0">
+                <a:latin typeface="+mj-lt"/>
+              </a:rPr>
+              <a:t>• </a:t>
+            </a:r>
+            <a:r>
+              <a:rPr lang="en-US" sz="1400" b="1" dirty="0" err="1">
+                <a:latin typeface="+mj-lt"/>
+              </a:rPr>
+              <a:t>PublishSubject</a:t>
+            </a:r>
+            <a:r>
+              <a:rPr lang="en-US" sz="1400" dirty="0">
+                <a:latin typeface="+mj-lt"/>
+              </a:rPr>
+              <a:t>: Starts empty and only emits new elements to subscribers.</a:t>
+            </a:r>
+          </a:p>
+          <a:p>
+            <a:pPr>
+              <a:buNone/>
+            </a:pPr>
+            <a:endParaRPr lang="en-US" sz="1400" dirty="0">
+              <a:latin typeface="+mj-lt"/>
+            </a:endParaRPr>
+          </a:p>
+          <a:p>
+            <a:pPr>
+              <a:buNone/>
+            </a:pPr>
+            <a:r>
+              <a:rPr lang="en-US" sz="1400" dirty="0">
+                <a:latin typeface="+mj-lt"/>
+              </a:rPr>
+              <a:t>• </a:t>
+            </a:r>
+            <a:r>
+              <a:rPr lang="en-US" sz="1400" b="1" dirty="0" err="1">
+                <a:latin typeface="+mj-lt"/>
+              </a:rPr>
+              <a:t>BehaviorSubject</a:t>
+            </a:r>
+            <a:r>
+              <a:rPr lang="en-US" sz="1400" dirty="0">
+                <a:latin typeface="+mj-lt"/>
+              </a:rPr>
+              <a:t>: Starts with an initial value and replays it or the latest element to new subscribers.</a:t>
+            </a:r>
+          </a:p>
+          <a:p>
+            <a:pPr>
+              <a:buNone/>
+            </a:pPr>
+            <a:endParaRPr lang="en-US" sz="1400" dirty="0">
+              <a:latin typeface="+mj-lt"/>
+            </a:endParaRPr>
+          </a:p>
+          <a:p>
+            <a:pPr>
+              <a:buNone/>
+            </a:pPr>
+            <a:r>
+              <a:rPr lang="en-US" sz="1400" dirty="0">
+                <a:latin typeface="+mj-lt"/>
+              </a:rPr>
+              <a:t>• </a:t>
+            </a:r>
+            <a:r>
+              <a:rPr lang="en-US" sz="1400" b="1" dirty="0" err="1">
+                <a:latin typeface="+mj-lt"/>
+              </a:rPr>
+              <a:t>ReplaySubject</a:t>
+            </a:r>
+            <a:r>
+              <a:rPr lang="en-US" sz="1400" dirty="0">
+                <a:latin typeface="+mj-lt"/>
+              </a:rPr>
+              <a:t>: Initialized with a buffer size and will maintain a buffer of elements up to that size and replay it to new subscribers.</a:t>
+            </a:r>
+          </a:p>
+          <a:p>
+            <a:pPr>
+              <a:buNone/>
+            </a:pPr>
+            <a:endParaRPr lang="en-US" sz="1400" dirty="0">
+              <a:latin typeface="+mj-lt"/>
+            </a:endParaRPr>
+          </a:p>
+          <a:p>
+            <a:pPr>
+              <a:buNone/>
+            </a:pPr>
+            <a:r>
+              <a:rPr lang="en-US" sz="1400" dirty="0">
+                <a:latin typeface="+mj-lt"/>
+              </a:rPr>
+              <a:t>• </a:t>
+            </a:r>
+            <a:r>
+              <a:rPr lang="en-US" sz="1400" b="1" dirty="0">
+                <a:latin typeface="+mj-lt"/>
+              </a:rPr>
+              <a:t>Variable</a:t>
+            </a:r>
+            <a:r>
+              <a:rPr lang="en-US" sz="1400" dirty="0">
+                <a:latin typeface="+mj-lt"/>
+              </a:rPr>
+              <a:t>: Wraps a </a:t>
+            </a:r>
+            <a:r>
+              <a:rPr lang="en-US" sz="1400" dirty="0" err="1">
+                <a:latin typeface="+mj-lt"/>
+              </a:rPr>
+              <a:t>BehaviorSubject</a:t>
+            </a:r>
+            <a:r>
+              <a:rPr lang="en-US" sz="1400" dirty="0">
+                <a:latin typeface="+mj-lt"/>
+              </a:rPr>
+              <a:t>, preserves its current value as state, and replays only the latest/initial value to new subscribers.</a:t>
+            </a:r>
+            <a:endParaRPr lang="en-US" sz="1400" dirty="0">
+              <a:latin typeface="+mj-lt"/>
+            </a:endParaRPr>
+          </a:p>
+        </p:txBody>
+      </p:sp>
     </p:spTree>
     <p:extLst>
       <p:ext uri="{BB962C8B-B14F-4D97-AF65-F5344CB8AC3E}">
-        <p14:creationId xmlns:p14="http://schemas.microsoft.com/office/powerpoint/2010/main" val="600279464"/>
+        <p14:creationId xmlns:p14="http://schemas.microsoft.com/office/powerpoint/2010/main" val="1413227123"/>
       </p:ext>
     </p:extLst>
   </p:cSld>
@@ -6470,7 +6864,7 @@
             </a:pPr>
             <a:r>
               <a:rPr lang="en-US" dirty="0" err="1" smtClean="0"/>
-              <a:t>BehaviorSubject</a:t>
+              <a:t>PublishSubject</a:t>
             </a:r>
             <a:endParaRPr lang="en" dirty="0"/>
           </a:p>
@@ -6547,7 +6941,7 @@
       </p:pic>
       <p:pic>
         <p:nvPicPr>
-          <p:cNvPr id="3" name="Picture 2" descr="Screen Shot 2018-04-28 at 9.00.53 PM.png"/>
+          <p:cNvPr id="5" name="Picture 4" descr="Screen Shot 2018-04-27 at 11.43.00 PM.png"/>
           <p:cNvPicPr>
             <a:picLocks noChangeAspect="1"/>
           </p:cNvPicPr>
@@ -6567,8 +6961,38 @@
         </p:blipFill>
         <p:spPr>
           <a:xfrm>
-            <a:off x="558319" y="1341442"/>
-            <a:ext cx="4607662" cy="3802058"/>
+            <a:off x="205946" y="1324856"/>
+            <a:ext cx="3624649" cy="3818644"/>
+          </a:xfrm>
+          <a:prstGeom prst="rect">
+            <a:avLst/>
+          </a:prstGeom>
+        </p:spPr>
+      </p:pic>
+      <p:pic>
+        <p:nvPicPr>
+          <p:cNvPr id="6" name="Picture 5" descr="Screen Shot 2018-04-27 at 11.43.30 PM.png"/>
+          <p:cNvPicPr>
+            <a:picLocks noChangeAspect="1"/>
+          </p:cNvPicPr>
+          <p:nvPr/>
+        </p:nvPicPr>
+        <p:blipFill>
+          <a:blip r:embed="rId5">
+            <a:extLst>
+              <a:ext uri="{28A0092B-C50C-407E-A947-70E740481C1C}">
+                <a14:useLocalDpi xmlns:a14="http://schemas.microsoft.com/office/drawing/2010/main" val="0"/>
+              </a:ext>
+            </a:extLst>
+          </a:blip>
+          <a:stretch>
+            <a:fillRect/>
+          </a:stretch>
+        </p:blipFill>
+        <p:spPr>
+          <a:xfrm>
+            <a:off x="5208591" y="1338280"/>
+            <a:ext cx="3159490" cy="3109656"/>
           </a:xfrm>
           <a:prstGeom prst="rect">
             <a:avLst/>
@@ -6578,7 +7002,7 @@
     </p:spTree>
     <p:extLst>
       <p:ext uri="{BB962C8B-B14F-4D97-AF65-F5344CB8AC3E}">
-        <p14:creationId xmlns:p14="http://schemas.microsoft.com/office/powerpoint/2010/main" val="772912990"/>
+        <p14:creationId xmlns:p14="http://schemas.microsoft.com/office/powerpoint/2010/main" val="600279464"/>
       </p:ext>
     </p:extLst>
   </p:cSld>
@@ -6645,7 +7069,7 @@
             </a:pPr>
             <a:r>
               <a:rPr lang="en-US" dirty="0" err="1" smtClean="0"/>
-              <a:t>ReplaySubject</a:t>
+              <a:t>BehaviorSubject</a:t>
             </a:r>
             <a:endParaRPr lang="en" dirty="0"/>
           </a:p>
@@ -6722,7 +7146,7 @@
       </p:pic>
       <p:pic>
         <p:nvPicPr>
-          <p:cNvPr id="4" name="Picture 3" descr="Screen Shot 2018-04-28 at 9.19.04 PM.png"/>
+          <p:cNvPr id="3" name="Picture 2" descr="Screen Shot 2018-04-28 at 9.00.53 PM.png"/>
           <p:cNvPicPr>
             <a:picLocks noChangeAspect="1"/>
           </p:cNvPicPr>
@@ -6742,38 +7166,8 @@
         </p:blipFill>
         <p:spPr>
           <a:xfrm>
-            <a:off x="24543" y="1353629"/>
-            <a:ext cx="4948219" cy="3092637"/>
-          </a:xfrm>
-          <a:prstGeom prst="rect">
-            <a:avLst/>
-          </a:prstGeom>
-        </p:spPr>
-      </p:pic>
-      <p:pic>
-        <p:nvPicPr>
-          <p:cNvPr id="5" name="Picture 4" descr="Screen Shot 2018-04-28 at 9.19.14 PM.png"/>
-          <p:cNvPicPr>
-            <a:picLocks noChangeAspect="1"/>
-          </p:cNvPicPr>
-          <p:nvPr/>
-        </p:nvPicPr>
-        <p:blipFill>
-          <a:blip r:embed="rId5">
-            <a:extLst>
-              <a:ext uri="{28A0092B-C50C-407E-A947-70E740481C1C}">
-                <a14:useLocalDpi xmlns:a14="http://schemas.microsoft.com/office/drawing/2010/main" val="0"/>
-              </a:ext>
-            </a:extLst>
-          </a:blip>
-          <a:stretch>
-            <a:fillRect/>
-          </a:stretch>
-        </p:blipFill>
-        <p:spPr>
-          <a:xfrm>
-            <a:off x="5613861" y="1320938"/>
-            <a:ext cx="3178122" cy="3125329"/>
+            <a:off x="558319" y="1341442"/>
+            <a:ext cx="4607662" cy="3802058"/>
           </a:xfrm>
           <a:prstGeom prst="rect">
             <a:avLst/>
@@ -6783,7 +7177,7 @@
     </p:spTree>
     <p:extLst>
       <p:ext uri="{BB962C8B-B14F-4D97-AF65-F5344CB8AC3E}">
-        <p14:creationId xmlns:p14="http://schemas.microsoft.com/office/powerpoint/2010/main" val="3159587174"/>
+        <p14:creationId xmlns:p14="http://schemas.microsoft.com/office/powerpoint/2010/main" val="772912990"/>
       </p:ext>
     </p:extLst>
   </p:cSld>
@@ -6849,8 +7243,8 @@
               <a:buNone/>
             </a:pPr>
             <a:r>
-              <a:rPr lang="en-US" dirty="0" smtClean="0"/>
-              <a:t>Lab - 1</a:t>
+              <a:rPr lang="en-US" dirty="0" err="1" smtClean="0"/>
+              <a:t>ReplaySubject</a:t>
             </a:r>
             <a:endParaRPr lang="en" dirty="0"/>
           </a:p>
@@ -6925,56 +7319,70 @@
           </a:prstGeom>
         </p:spPr>
       </p:pic>
-      <p:sp>
-        <p:nvSpPr>
-          <p:cNvPr id="3" name="TextBox 2"/>
-          <p:cNvSpPr txBox="1"/>
+      <p:pic>
+        <p:nvPicPr>
+          <p:cNvPr id="4" name="Picture 3" descr="Screen Shot 2018-04-28 at 9.19.04 PM.png"/>
+          <p:cNvPicPr>
+            <a:picLocks noChangeAspect="1"/>
+          </p:cNvPicPr>
           <p:nvPr/>
-        </p:nvSpPr>
-        <p:spPr>
-          <a:xfrm>
-            <a:off x="998682" y="1720273"/>
-            <a:ext cx="4044697" cy="307777"/>
+        </p:nvPicPr>
+        <p:blipFill>
+          <a:blip r:embed="rId4">
+            <a:extLst>
+              <a:ext uri="{28A0092B-C50C-407E-A947-70E740481C1C}">
+                <a14:useLocalDpi xmlns:a14="http://schemas.microsoft.com/office/drawing/2010/main" val="0"/>
+              </a:ext>
+            </a:extLst>
+          </a:blip>
+          <a:stretch>
+            <a:fillRect/>
+          </a:stretch>
+        </p:blipFill>
+        <p:spPr>
+          <a:xfrm>
+            <a:off x="24543" y="1353629"/>
+            <a:ext cx="4948219" cy="3092637"/>
           </a:xfrm>
           <a:prstGeom prst="rect">
             <a:avLst/>
           </a:prstGeom>
-          <a:noFill/>
-        </p:spPr>
-        <p:txBody>
-          <a:bodyPr wrap="none" rtlCol="0">
-            <a:spAutoFit/>
-          </a:bodyPr>
-          <a:lstStyle/>
-          <a:p>
-            <a:r>
-              <a:rPr lang="en-US" dirty="0" err="1" smtClean="0"/>
-              <a:t>BehaviorSubject</a:t>
-            </a:r>
-            <a:r>
-              <a:rPr lang="en-US" dirty="0" smtClean="0"/>
-              <a:t>, </a:t>
-            </a:r>
-            <a:r>
-              <a:rPr lang="en-US" dirty="0" err="1" smtClean="0"/>
-              <a:t>PublishSubject</a:t>
-            </a:r>
-            <a:r>
-              <a:rPr lang="en-US" dirty="0" smtClean="0"/>
-              <a:t>, </a:t>
-            </a:r>
-            <a:r>
-              <a:rPr lang="en-US" dirty="0" err="1" smtClean="0"/>
-              <a:t>ReplaySubject</a:t>
-            </a:r>
-            <a:endParaRPr lang="en-US" dirty="0"/>
-          </a:p>
-        </p:txBody>
-      </p:sp>
+        </p:spPr>
+      </p:pic>
+      <p:pic>
+        <p:nvPicPr>
+          <p:cNvPr id="5" name="Picture 4" descr="Screen Shot 2018-04-28 at 9.19.14 PM.png"/>
+          <p:cNvPicPr>
+            <a:picLocks noChangeAspect="1"/>
+          </p:cNvPicPr>
+          <p:nvPr/>
+        </p:nvPicPr>
+        <p:blipFill>
+          <a:blip r:embed="rId5">
+            <a:extLst>
+              <a:ext uri="{28A0092B-C50C-407E-A947-70E740481C1C}">
+                <a14:useLocalDpi xmlns:a14="http://schemas.microsoft.com/office/drawing/2010/main" val="0"/>
+              </a:ext>
+            </a:extLst>
+          </a:blip>
+          <a:stretch>
+            <a:fillRect/>
+          </a:stretch>
+        </p:blipFill>
+        <p:spPr>
+          <a:xfrm>
+            <a:off x="5613861" y="1320938"/>
+            <a:ext cx="3178122" cy="3125329"/>
+          </a:xfrm>
+          <a:prstGeom prst="rect">
+            <a:avLst/>
+          </a:prstGeom>
+        </p:spPr>
+      </p:pic>
     </p:spTree>
     <p:extLst>
       <p:ext uri="{BB962C8B-B14F-4D97-AF65-F5344CB8AC3E}">
-        <p14:creationId xmlns:p14="http://schemas.microsoft.com/office/powerpoint/2010/main" val="1900758707"/>
+        <p14:creationId xmlns:p14="http://schemas.microsoft.com/office/powerpoint/2010/main" val="3159587174"/>
       </p:ext>
     </p:extLst>
   </p:cSld>
@@ -7040,28 +7448,8 @@
               <a:buNone/>
             </a:pPr>
             <a:r>
-              <a:rPr lang="en-US" dirty="0" err="1" smtClean="0"/>
-              <a:t>flatMap</a:t>
-            </a:r>
-            <a:r>
               <a:rPr lang="en-US" dirty="0" smtClean="0"/>
-              <a:t>, </a:t>
-            </a:r>
-            <a:r>
-              <a:rPr lang="en-US" dirty="0" err="1" smtClean="0"/>
-              <a:t>flatMapFirst</a:t>
-            </a:r>
-            <a:r>
-              <a:rPr lang="en-US" dirty="0" smtClean="0"/>
-              <a:t>, </a:t>
-            </a:r>
-            <a:r>
-              <a:rPr lang="en-US" dirty="0" err="1" smtClean="0"/>
-              <a:t>flatMapLatest</a:t>
-            </a:r>
-            <a:r>
-              <a:rPr lang="en-US" dirty="0" smtClean="0"/>
-              <a:t> - 1</a:t>
+              <a:t>Lab - 1</a:t>
             </a:r>
             <a:endParaRPr lang="en" dirty="0"/>
           </a:p>
@@ -7136,40 +7524,56 @@
           </a:prstGeom>
         </p:spPr>
       </p:pic>
-      <p:pic>
-        <p:nvPicPr>
-          <p:cNvPr id="5" name="Picture 4" descr="Screen Shot 2018-04-28 at 10.49.25 PM.png"/>
-          <p:cNvPicPr>
-            <a:picLocks noChangeAspect="1"/>
-          </p:cNvPicPr>
+      <p:sp>
+        <p:nvSpPr>
+          <p:cNvPr id="3" name="TextBox 2"/>
+          <p:cNvSpPr txBox="1"/>
           <p:nvPr/>
-        </p:nvPicPr>
-        <p:blipFill>
-          <a:blip r:embed="rId4">
-            <a:extLst>
-              <a:ext uri="{28A0092B-C50C-407E-A947-70E740481C1C}">
-                <a14:useLocalDpi xmlns:a14="http://schemas.microsoft.com/office/drawing/2010/main" val="0"/>
-              </a:ext>
-            </a:extLst>
-          </a:blip>
-          <a:stretch>
-            <a:fillRect/>
-          </a:stretch>
-        </p:blipFill>
-        <p:spPr>
-          <a:xfrm>
-            <a:off x="1414869" y="1158775"/>
-            <a:ext cx="3455543" cy="3953294"/>
+        </p:nvSpPr>
+        <p:spPr>
+          <a:xfrm>
+            <a:off x="998682" y="1720273"/>
+            <a:ext cx="4044697" cy="307777"/>
           </a:xfrm>
           <a:prstGeom prst="rect">
             <a:avLst/>
           </a:prstGeom>
-        </p:spPr>
-      </p:pic>
+          <a:noFill/>
+        </p:spPr>
+        <p:txBody>
+          <a:bodyPr wrap="none" rtlCol="0">
+            <a:spAutoFit/>
+          </a:bodyPr>
+          <a:lstStyle/>
+          <a:p>
+            <a:r>
+              <a:rPr lang="en-US" dirty="0" err="1" smtClean="0"/>
+              <a:t>BehaviorSubject</a:t>
+            </a:r>
+            <a:r>
+              <a:rPr lang="en-US" dirty="0" smtClean="0"/>
+              <a:t>, </a:t>
+            </a:r>
+            <a:r>
+              <a:rPr lang="en-US" dirty="0" err="1" smtClean="0"/>
+              <a:t>PublishSubject</a:t>
+            </a:r>
+            <a:r>
+              <a:rPr lang="en-US" dirty="0" smtClean="0"/>
+              <a:t>, </a:t>
+            </a:r>
+            <a:r>
+              <a:rPr lang="en-US" dirty="0" err="1" smtClean="0"/>
+              <a:t>ReplaySubject</a:t>
+            </a:r>
+            <a:endParaRPr lang="en-US" dirty="0"/>
+          </a:p>
+        </p:txBody>
+      </p:sp>
     </p:spTree>
     <p:extLst>
       <p:ext uri="{BB962C8B-B14F-4D97-AF65-F5344CB8AC3E}">
-        <p14:creationId xmlns:p14="http://schemas.microsoft.com/office/powerpoint/2010/main" val="640576846"/>
+        <p14:creationId xmlns:p14="http://schemas.microsoft.com/office/powerpoint/2010/main" val="1900758707"/>
       </p:ext>
     </p:extLst>
   </p:cSld>

--- a/RxSwiftBasics/day2/RxSwiftBasics2.pptx
+++ b/RxSwiftBasics/day2/RxSwiftBasics2.pptx
@@ -5,7 +5,7 @@
     <p:sldMasterId id="2147483657" r:id="rId1"/>
   </p:sldMasterIdLst>
   <p:notesMasterIdLst>
-    <p:notesMasterId r:id="rId16"/>
+    <p:notesMasterId r:id="rId18"/>
   </p:notesMasterIdLst>
   <p:sldIdLst>
     <p:sldId id="256" r:id="rId2"/>
@@ -22,6 +22,8 @@
     <p:sldId id="335" r:id="rId13"/>
     <p:sldId id="336" r:id="rId14"/>
     <p:sldId id="338" r:id="rId15"/>
+    <p:sldId id="343" r:id="rId16"/>
+    <p:sldId id="344" r:id="rId17"/>
   </p:sldIdLst>
   <p:sldSz cx="9144000" cy="5143500" type="screen16x9"/>
   <p:notesSz cx="6858000" cy="9144000"/>
@@ -1016,6 +1018,208 @@
 </file>
 
 <file path=ppt/notesSlides/notesSlide14.xml><?xml version="1.0" encoding="utf-8"?>
+<p:notes xmlns:a="http://schemas.openxmlformats.org/drawingml/2006/main" xmlns:r="http://schemas.openxmlformats.org/officeDocument/2006/relationships" xmlns:p="http://schemas.openxmlformats.org/presentationml/2006/main" showMasterSp="0" showMasterPhAnim="0">
+  <p:cSld>
+    <p:spTree>
+      <p:nvGrpSpPr>
+        <p:cNvPr id="1" name="Shape 185"/>
+        <p:cNvGrpSpPr/>
+        <p:nvPr/>
+      </p:nvGrpSpPr>
+      <p:grpSpPr>
+        <a:xfrm>
+          <a:off x="0" y="0"/>
+          <a:ext cx="0" cy="0"/>
+          <a:chOff x="0" y="0"/>
+          <a:chExt cx="0" cy="0"/>
+        </a:xfrm>
+      </p:grpSpPr>
+      <p:sp>
+        <p:nvSpPr>
+          <p:cNvPr id="186" name="Shape 186"/>
+          <p:cNvSpPr>
+            <a:spLocks noGrp="1" noRot="1" noChangeAspect="1"/>
+          </p:cNvSpPr>
+          <p:nvPr>
+            <p:ph type="sldImg" idx="2"/>
+          </p:nvPr>
+        </p:nvSpPr>
+        <p:spPr>
+          <a:xfrm>
+            <a:off x="381000" y="685800"/>
+            <a:ext cx="6096000" cy="3429000"/>
+          </a:xfrm>
+          <a:custGeom>
+            <a:avLst/>
+            <a:gdLst/>
+            <a:ahLst/>
+            <a:cxnLst/>
+            <a:rect l="0" t="0" r="0" b="0"/>
+            <a:pathLst>
+              <a:path w="120000" h="120000" extrusionOk="0">
+                <a:moveTo>
+                  <a:pt x="0" y="0"/>
+                </a:moveTo>
+                <a:lnTo>
+                  <a:pt x="120000" y="0"/>
+                </a:lnTo>
+                <a:lnTo>
+                  <a:pt x="120000" y="120000"/>
+                </a:lnTo>
+                <a:lnTo>
+                  <a:pt x="0" y="120000"/>
+                </a:lnTo>
+                <a:close/>
+              </a:path>
+            </a:pathLst>
+          </a:custGeom>
+        </p:spPr>
+      </p:sp>
+      <p:sp>
+        <p:nvSpPr>
+          <p:cNvPr id="187" name="Shape 187"/>
+          <p:cNvSpPr txBox="1">
+            <a:spLocks noGrp="1"/>
+          </p:cNvSpPr>
+          <p:nvPr>
+            <p:ph type="body" idx="1"/>
+          </p:nvPr>
+        </p:nvSpPr>
+        <p:spPr>
+          <a:xfrm>
+            <a:off x="685800" y="4343400"/>
+            <a:ext cx="5486400" cy="4114800"/>
+          </a:xfrm>
+          <a:prstGeom prst="rect">
+            <a:avLst/>
+          </a:prstGeom>
+        </p:spPr>
+        <p:txBody>
+          <a:bodyPr wrap="square" lIns="91425" tIns="91425" rIns="91425" bIns="91425" anchor="t" anchorCtr="0">
+            <a:noAutofit/>
+          </a:bodyPr>
+          <a:lstStyle/>
+          <a:p>
+            <a:pPr lvl="0">
+              <a:spcBef>
+                <a:spcPts val="0"/>
+              </a:spcBef>
+              <a:buNone/>
+            </a:pPr>
+            <a:endParaRPr/>
+          </a:p>
+        </p:txBody>
+      </p:sp>
+    </p:spTree>
+  </p:cSld>
+  <p:clrMapOvr>
+    <a:masterClrMapping/>
+  </p:clrMapOvr>
+</p:notes>
+</file>
+
+<file path=ppt/notesSlides/notesSlide15.xml><?xml version="1.0" encoding="utf-8"?>
+<p:notes xmlns:a="http://schemas.openxmlformats.org/drawingml/2006/main" xmlns:r="http://schemas.openxmlformats.org/officeDocument/2006/relationships" xmlns:p="http://schemas.openxmlformats.org/presentationml/2006/main" showMasterSp="0" showMasterPhAnim="0">
+  <p:cSld>
+    <p:spTree>
+      <p:nvGrpSpPr>
+        <p:cNvPr id="1" name="Shape 185"/>
+        <p:cNvGrpSpPr/>
+        <p:nvPr/>
+      </p:nvGrpSpPr>
+      <p:grpSpPr>
+        <a:xfrm>
+          <a:off x="0" y="0"/>
+          <a:ext cx="0" cy="0"/>
+          <a:chOff x="0" y="0"/>
+          <a:chExt cx="0" cy="0"/>
+        </a:xfrm>
+      </p:grpSpPr>
+      <p:sp>
+        <p:nvSpPr>
+          <p:cNvPr id="186" name="Shape 186"/>
+          <p:cNvSpPr>
+            <a:spLocks noGrp="1" noRot="1" noChangeAspect="1"/>
+          </p:cNvSpPr>
+          <p:nvPr>
+            <p:ph type="sldImg" idx="2"/>
+          </p:nvPr>
+        </p:nvSpPr>
+        <p:spPr>
+          <a:xfrm>
+            <a:off x="381000" y="685800"/>
+            <a:ext cx="6096000" cy="3429000"/>
+          </a:xfrm>
+          <a:custGeom>
+            <a:avLst/>
+            <a:gdLst/>
+            <a:ahLst/>
+            <a:cxnLst/>
+            <a:rect l="0" t="0" r="0" b="0"/>
+            <a:pathLst>
+              <a:path w="120000" h="120000" extrusionOk="0">
+                <a:moveTo>
+                  <a:pt x="0" y="0"/>
+                </a:moveTo>
+                <a:lnTo>
+                  <a:pt x="120000" y="0"/>
+                </a:lnTo>
+                <a:lnTo>
+                  <a:pt x="120000" y="120000"/>
+                </a:lnTo>
+                <a:lnTo>
+                  <a:pt x="0" y="120000"/>
+                </a:lnTo>
+                <a:close/>
+              </a:path>
+            </a:pathLst>
+          </a:custGeom>
+        </p:spPr>
+      </p:sp>
+      <p:sp>
+        <p:nvSpPr>
+          <p:cNvPr id="187" name="Shape 187"/>
+          <p:cNvSpPr txBox="1">
+            <a:spLocks noGrp="1"/>
+          </p:cNvSpPr>
+          <p:nvPr>
+            <p:ph type="body" idx="1"/>
+          </p:nvPr>
+        </p:nvSpPr>
+        <p:spPr>
+          <a:xfrm>
+            <a:off x="685800" y="4343400"/>
+            <a:ext cx="5486400" cy="4114800"/>
+          </a:xfrm>
+          <a:prstGeom prst="rect">
+            <a:avLst/>
+          </a:prstGeom>
+        </p:spPr>
+        <p:txBody>
+          <a:bodyPr wrap="square" lIns="91425" tIns="91425" rIns="91425" bIns="91425" anchor="t" anchorCtr="0">
+            <a:noAutofit/>
+          </a:bodyPr>
+          <a:lstStyle/>
+          <a:p>
+            <a:pPr lvl="0">
+              <a:spcBef>
+                <a:spcPts val="0"/>
+              </a:spcBef>
+              <a:buNone/>
+            </a:pPr>
+            <a:endParaRPr/>
+          </a:p>
+        </p:txBody>
+      </p:sp>
+    </p:spTree>
+  </p:cSld>
+  <p:clrMapOvr>
+    <a:masterClrMapping/>
+  </p:clrMapOvr>
+</p:notes>
+</file>
+
+<file path=ppt/notesSlides/notesSlide16.xml><?xml version="1.0" encoding="utf-8"?>
 <p:notes xmlns:a="http://schemas.openxmlformats.org/drawingml/2006/main" xmlns:r="http://schemas.openxmlformats.org/officeDocument/2006/relationships" xmlns:p="http://schemas.openxmlformats.org/presentationml/2006/main" showMasterSp="0" showMasterPhAnim="0">
   <p:cSld>
     <p:spTree>
@@ -5563,6 +5767,928 @@
 </p:sld>
 </file>
 
+<file path=ppt/slides/slide15.xml><?xml version="1.0" encoding="utf-8"?>
+<p:sld xmlns:a="http://schemas.openxmlformats.org/drawingml/2006/main" xmlns:r="http://schemas.openxmlformats.org/officeDocument/2006/relationships" xmlns:p="http://schemas.openxmlformats.org/presentationml/2006/main">
+  <p:cSld>
+    <p:spTree>
+      <p:nvGrpSpPr>
+        <p:cNvPr id="1" name="Shape 188"/>
+        <p:cNvGrpSpPr/>
+        <p:nvPr/>
+      </p:nvGrpSpPr>
+      <p:grpSpPr>
+        <a:xfrm>
+          <a:off x="0" y="0"/>
+          <a:ext cx="0" cy="0"/>
+          <a:chOff x="0" y="0"/>
+          <a:chExt cx="0" cy="0"/>
+        </a:xfrm>
+      </p:grpSpPr>
+      <p:sp>
+        <p:nvSpPr>
+          <p:cNvPr id="189" name="Shape 189"/>
+          <p:cNvSpPr txBox="1">
+            <a:spLocks noGrp="1"/>
+          </p:cNvSpPr>
+          <p:nvPr>
+            <p:ph type="title"/>
+          </p:nvPr>
+        </p:nvSpPr>
+        <p:spPr>
+          <a:xfrm>
+            <a:off x="814275" y="392575"/>
+            <a:ext cx="5258400" cy="766200"/>
+          </a:xfrm>
+          <a:prstGeom prst="rect">
+            <a:avLst/>
+          </a:prstGeom>
+        </p:spPr>
+        <p:txBody>
+          <a:bodyPr wrap="square" lIns="91425" tIns="91425" rIns="91425" bIns="91425" anchor="ctr" anchorCtr="0">
+            <a:noAutofit/>
+          </a:bodyPr>
+          <a:lstStyle/>
+          <a:p>
+            <a:pPr lvl="0" rtl="0">
+              <a:spcBef>
+                <a:spcPts val="0"/>
+              </a:spcBef>
+              <a:buNone/>
+            </a:pPr>
+            <a:r>
+              <a:rPr lang="en-US" dirty="0" err="1" smtClean="0"/>
+              <a:t>BehaviorRelay</a:t>
+            </a:r>
+            <a:endParaRPr lang="en" dirty="0"/>
+          </a:p>
+        </p:txBody>
+      </p:sp>
+      <p:sp>
+        <p:nvSpPr>
+          <p:cNvPr id="192" name="Shape 192"/>
+          <p:cNvSpPr txBox="1">
+            <a:spLocks noGrp="1"/>
+          </p:cNvSpPr>
+          <p:nvPr>
+            <p:ph type="sldNum" idx="12"/>
+          </p:nvPr>
+        </p:nvSpPr>
+        <p:spPr>
+          <a:xfrm>
+            <a:off x="7618000" y="4636500"/>
+            <a:ext cx="1487400" cy="315600"/>
+          </a:xfrm>
+          <a:prstGeom prst="rect">
+            <a:avLst/>
+          </a:prstGeom>
+        </p:spPr>
+        <p:txBody>
+          <a:bodyPr wrap="square" lIns="91425" tIns="91425" rIns="91425" bIns="91425" anchor="ctr" anchorCtr="0">
+            <a:noAutofit/>
+          </a:bodyPr>
+          <a:lstStyle/>
+          <a:p>
+            <a:pPr lvl="0">
+              <a:spcBef>
+                <a:spcPts val="0"/>
+              </a:spcBef>
+              <a:buNone/>
+            </a:pPr>
+            <a:fld id="{00000000-1234-1234-1234-123412341234}" type="slidenum">
+              <a:rPr lang="en"/>
+              <a:t>15</a:t>
+            </a:fld>
+            <a:endParaRPr lang="en"/>
+          </a:p>
+        </p:txBody>
+      </p:sp>
+      <p:pic>
+        <p:nvPicPr>
+          <p:cNvPr id="2" name="Picture 1" descr="Rx_Logo_M.png"/>
+          <p:cNvPicPr>
+            <a:picLocks noChangeAspect="1"/>
+          </p:cNvPicPr>
+          <p:nvPr/>
+        </p:nvPicPr>
+        <p:blipFill>
+          <a:blip r:embed="rId3">
+            <a:extLst>
+              <a:ext uri="{28A0092B-C50C-407E-A947-70E740481C1C}">
+                <a14:useLocalDpi xmlns:a14="http://schemas.microsoft.com/office/drawing/2010/main" val="0"/>
+              </a:ext>
+            </a:extLst>
+          </a:blip>
+          <a:stretch>
+            <a:fillRect/>
+          </a:stretch>
+        </p:blipFill>
+        <p:spPr>
+          <a:xfrm>
+            <a:off x="151129" y="442005"/>
+            <a:ext cx="663146" cy="663146"/>
+          </a:xfrm>
+          <a:prstGeom prst="rect">
+            <a:avLst/>
+          </a:prstGeom>
+        </p:spPr>
+      </p:pic>
+      <p:sp>
+        <p:nvSpPr>
+          <p:cNvPr id="3" name="TextBox 2"/>
+          <p:cNvSpPr txBox="1"/>
+          <p:nvPr/>
+        </p:nvSpPr>
+        <p:spPr>
+          <a:xfrm>
+            <a:off x="151129" y="1158775"/>
+            <a:ext cx="6926070" cy="3970317"/>
+          </a:xfrm>
+          <a:prstGeom prst="rect">
+            <a:avLst/>
+          </a:prstGeom>
+          <a:noFill/>
+        </p:spPr>
+        <p:txBody>
+          <a:bodyPr wrap="none" rtlCol="0">
+            <a:spAutoFit/>
+          </a:bodyPr>
+          <a:lstStyle/>
+          <a:p>
+            <a:endParaRPr lang="en-US" sz="1200" dirty="0">
+              <a:latin typeface="Courier"/>
+              <a:cs typeface="Courier"/>
+            </a:endParaRPr>
+          </a:p>
+          <a:p>
+            <a:r>
+              <a:rPr lang="en-US" sz="1200" dirty="0">
+                <a:latin typeface="Courier"/>
+                <a:cs typeface="Courier"/>
+              </a:rPr>
+              <a:t>import </a:t>
+            </a:r>
+            <a:r>
+              <a:rPr lang="en-US" sz="1200" dirty="0" err="1">
+                <a:latin typeface="Courier"/>
+                <a:cs typeface="Courier"/>
+              </a:rPr>
+              <a:t>RxSwift</a:t>
+            </a:r>
+            <a:endParaRPr lang="en-US" sz="1200" dirty="0">
+              <a:latin typeface="Courier"/>
+              <a:cs typeface="Courier"/>
+            </a:endParaRPr>
+          </a:p>
+          <a:p>
+            <a:endParaRPr lang="en-US" sz="1200" dirty="0">
+              <a:latin typeface="Courier"/>
+              <a:cs typeface="Courier"/>
+            </a:endParaRPr>
+          </a:p>
+          <a:p>
+            <a:r>
+              <a:rPr lang="en-US" sz="1200" dirty="0">
+                <a:latin typeface="Courier"/>
+                <a:cs typeface="Courier"/>
+              </a:rPr>
+              <a:t>/// </a:t>
+            </a:r>
+            <a:r>
+              <a:rPr lang="en-US" sz="1200" dirty="0" err="1">
+                <a:latin typeface="Courier"/>
+                <a:cs typeface="Courier"/>
+              </a:rPr>
+              <a:t>BehaviorRelay</a:t>
+            </a:r>
+            <a:r>
+              <a:rPr lang="en-US" sz="1200" dirty="0">
+                <a:latin typeface="Courier"/>
+                <a:cs typeface="Courier"/>
+              </a:rPr>
+              <a:t> is a wrapper for `</a:t>
+            </a:r>
+            <a:r>
+              <a:rPr lang="en-US" sz="1200" dirty="0" err="1">
+                <a:latin typeface="Courier"/>
+                <a:cs typeface="Courier"/>
+              </a:rPr>
+              <a:t>BehaviorSubject</a:t>
+            </a:r>
+            <a:r>
+              <a:rPr lang="en-US" sz="1200" dirty="0">
+                <a:latin typeface="Courier"/>
+                <a:cs typeface="Courier"/>
+              </a:rPr>
+              <a:t>`.</a:t>
+            </a:r>
+          </a:p>
+          <a:p>
+            <a:r>
+              <a:rPr lang="en-US" sz="1200" dirty="0">
+                <a:latin typeface="Courier"/>
+                <a:cs typeface="Courier"/>
+              </a:rPr>
+              <a:t>///</a:t>
+            </a:r>
+          </a:p>
+          <a:p>
+            <a:r>
+              <a:rPr lang="en-US" sz="1200" dirty="0">
+                <a:latin typeface="Courier"/>
+                <a:cs typeface="Courier"/>
+              </a:rPr>
+              <a:t>/// Unlike `</a:t>
+            </a:r>
+            <a:r>
+              <a:rPr lang="en-US" sz="1200" dirty="0" err="1">
+                <a:latin typeface="Courier"/>
+                <a:cs typeface="Courier"/>
+              </a:rPr>
+              <a:t>BehaviorSubject</a:t>
+            </a:r>
+            <a:r>
+              <a:rPr lang="en-US" sz="1200" dirty="0">
+                <a:latin typeface="Courier"/>
+                <a:cs typeface="Courier"/>
+              </a:rPr>
+              <a:t>` it can't terminate with error or completed.</a:t>
+            </a:r>
+          </a:p>
+          <a:p>
+            <a:r>
+              <a:rPr lang="en-US" sz="1200" dirty="0">
+                <a:latin typeface="Courier"/>
+                <a:cs typeface="Courier"/>
+              </a:rPr>
+              <a:t>public final class </a:t>
+            </a:r>
+            <a:r>
+              <a:rPr lang="en-US" sz="1200" dirty="0" err="1">
+                <a:latin typeface="Courier"/>
+                <a:cs typeface="Courier"/>
+              </a:rPr>
+              <a:t>BehaviorRelay</a:t>
+            </a:r>
+            <a:r>
+              <a:rPr lang="en-US" sz="1200" dirty="0">
+                <a:latin typeface="Courier"/>
+                <a:cs typeface="Courier"/>
+              </a:rPr>
+              <a:t>&lt;Element&gt;: </a:t>
+            </a:r>
+            <a:r>
+              <a:rPr lang="en-US" sz="1200" dirty="0" err="1">
+                <a:latin typeface="Courier"/>
+                <a:cs typeface="Courier"/>
+              </a:rPr>
+              <a:t>ObservableType</a:t>
+            </a:r>
+            <a:r>
+              <a:rPr lang="en-US" sz="1200" dirty="0">
+                <a:latin typeface="Courier"/>
+                <a:cs typeface="Courier"/>
+              </a:rPr>
+              <a:t> {</a:t>
+            </a:r>
+          </a:p>
+          <a:p>
+            <a:r>
+              <a:rPr lang="en-US" sz="1200" dirty="0">
+                <a:latin typeface="Courier"/>
+                <a:cs typeface="Courier"/>
+              </a:rPr>
+              <a:t>    public </a:t>
+            </a:r>
+            <a:r>
+              <a:rPr lang="en-US" sz="1200" dirty="0" err="1">
+                <a:latin typeface="Courier"/>
+                <a:cs typeface="Courier"/>
+              </a:rPr>
+              <a:t>typealias</a:t>
+            </a:r>
+            <a:r>
+              <a:rPr lang="en-US" sz="1200" dirty="0">
+                <a:latin typeface="Courier"/>
+                <a:cs typeface="Courier"/>
+              </a:rPr>
+              <a:t> E = Element</a:t>
+            </a:r>
+          </a:p>
+          <a:p>
+            <a:endParaRPr lang="en-US" sz="1200" dirty="0">
+              <a:latin typeface="Courier"/>
+              <a:cs typeface="Courier"/>
+            </a:endParaRPr>
+          </a:p>
+          <a:p>
+            <a:r>
+              <a:rPr lang="en-US" sz="1200" dirty="0">
+                <a:latin typeface="Courier"/>
+                <a:cs typeface="Courier"/>
+              </a:rPr>
+              <a:t>    private let _subject: </a:t>
+            </a:r>
+            <a:r>
+              <a:rPr lang="en-US" sz="1200" dirty="0" err="1">
+                <a:latin typeface="Courier"/>
+                <a:cs typeface="Courier"/>
+              </a:rPr>
+              <a:t>BehaviorSubject</a:t>
+            </a:r>
+            <a:r>
+              <a:rPr lang="en-US" sz="1200" dirty="0">
+                <a:latin typeface="Courier"/>
+                <a:cs typeface="Courier"/>
+              </a:rPr>
+              <a:t>&lt;Element&gt;</a:t>
+            </a:r>
+          </a:p>
+          <a:p>
+            <a:endParaRPr lang="en-US" sz="1200" dirty="0">
+              <a:latin typeface="Courier"/>
+              <a:cs typeface="Courier"/>
+            </a:endParaRPr>
+          </a:p>
+          <a:p>
+            <a:r>
+              <a:rPr lang="en-US" sz="1200" dirty="0">
+                <a:latin typeface="Courier"/>
+                <a:cs typeface="Courier"/>
+              </a:rPr>
+              <a:t>    // Accepts `event` and emits it to subscribers</a:t>
+            </a:r>
+          </a:p>
+          <a:p>
+            <a:r>
+              <a:rPr lang="en-US" sz="1200" dirty="0">
+                <a:latin typeface="Courier"/>
+                <a:cs typeface="Courier"/>
+              </a:rPr>
+              <a:t>    public </a:t>
+            </a:r>
+            <a:r>
+              <a:rPr lang="en-US" sz="1200" dirty="0" err="1">
+                <a:latin typeface="Courier"/>
+                <a:cs typeface="Courier"/>
+              </a:rPr>
+              <a:t>func</a:t>
+            </a:r>
+            <a:r>
+              <a:rPr lang="en-US" sz="1200" dirty="0">
+                <a:latin typeface="Courier"/>
+                <a:cs typeface="Courier"/>
+              </a:rPr>
+              <a:t> accept(_ event: Element) {</a:t>
+            </a:r>
+          </a:p>
+          <a:p>
+            <a:r>
+              <a:rPr lang="en-US" sz="1200" dirty="0">
+                <a:latin typeface="Courier"/>
+                <a:cs typeface="Courier"/>
+              </a:rPr>
+              <a:t>        _</a:t>
+            </a:r>
+            <a:r>
+              <a:rPr lang="en-US" sz="1200" dirty="0" err="1">
+                <a:latin typeface="Courier"/>
+                <a:cs typeface="Courier"/>
+              </a:rPr>
+              <a:t>subject.onNext</a:t>
+            </a:r>
+            <a:r>
+              <a:rPr lang="en-US" sz="1200" dirty="0">
+                <a:latin typeface="Courier"/>
+                <a:cs typeface="Courier"/>
+              </a:rPr>
+              <a:t>(event)</a:t>
+            </a:r>
+          </a:p>
+          <a:p>
+            <a:r>
+              <a:rPr lang="en-US" sz="1200" dirty="0">
+                <a:latin typeface="Courier"/>
+                <a:cs typeface="Courier"/>
+              </a:rPr>
+              <a:t>    }</a:t>
+            </a:r>
+          </a:p>
+          <a:p>
+            <a:endParaRPr lang="en-US" sz="1200" dirty="0">
+              <a:latin typeface="Courier"/>
+              <a:cs typeface="Courier"/>
+            </a:endParaRPr>
+          </a:p>
+          <a:p>
+            <a:r>
+              <a:rPr lang="en-US" sz="1200" dirty="0">
+                <a:latin typeface="Courier"/>
+                <a:cs typeface="Courier"/>
+              </a:rPr>
+              <a:t>    /// Current value of behavior subject</a:t>
+            </a:r>
+          </a:p>
+          <a:p>
+            <a:r>
+              <a:rPr lang="en-US" sz="1200" dirty="0">
+                <a:latin typeface="Courier"/>
+                <a:cs typeface="Courier"/>
+              </a:rPr>
+              <a:t>    public </a:t>
+            </a:r>
+            <a:r>
+              <a:rPr lang="en-US" sz="1200" dirty="0" err="1">
+                <a:latin typeface="Courier"/>
+                <a:cs typeface="Courier"/>
+              </a:rPr>
+              <a:t>var</a:t>
+            </a:r>
+            <a:r>
+              <a:rPr lang="en-US" sz="1200" dirty="0">
+                <a:latin typeface="Courier"/>
+                <a:cs typeface="Courier"/>
+              </a:rPr>
+              <a:t> value: Element {</a:t>
+            </a:r>
+          </a:p>
+          <a:p>
+            <a:r>
+              <a:rPr lang="en-US" sz="1200" dirty="0">
+                <a:latin typeface="Courier"/>
+                <a:cs typeface="Courier"/>
+              </a:rPr>
+              <a:t>        // this try! is ok because subject can't error out or be disposed</a:t>
+            </a:r>
+          </a:p>
+          <a:p>
+            <a:r>
+              <a:rPr lang="en-US" sz="1200" dirty="0">
+                <a:latin typeface="Courier"/>
+                <a:cs typeface="Courier"/>
+              </a:rPr>
+              <a:t>        return try! _</a:t>
+            </a:r>
+            <a:r>
+              <a:rPr lang="en-US" sz="1200" dirty="0" err="1">
+                <a:latin typeface="Courier"/>
+                <a:cs typeface="Courier"/>
+              </a:rPr>
+              <a:t>subject.value</a:t>
+            </a:r>
+            <a:r>
+              <a:rPr lang="en-US" sz="1200" dirty="0">
+                <a:latin typeface="Courier"/>
+                <a:cs typeface="Courier"/>
+              </a:rPr>
+              <a:t>()</a:t>
+            </a:r>
+          </a:p>
+          <a:p>
+            <a:r>
+              <a:rPr lang="en-US" sz="1200" dirty="0">
+                <a:latin typeface="Courier"/>
+                <a:cs typeface="Courier"/>
+              </a:rPr>
+              <a:t>    }</a:t>
+            </a:r>
+          </a:p>
+        </p:txBody>
+      </p:sp>
+    </p:spTree>
+    <p:extLst>
+      <p:ext uri="{BB962C8B-B14F-4D97-AF65-F5344CB8AC3E}">
+        <p14:creationId xmlns:p14="http://schemas.microsoft.com/office/powerpoint/2010/main" val="782402942"/>
+      </p:ext>
+    </p:extLst>
+  </p:cSld>
+  <p:clrMapOvr>
+    <a:masterClrMapping/>
+  </p:clrMapOvr>
+  <p:timing>
+    <p:tnLst>
+      <p:par>
+        <p:cTn xmlns:p14="http://schemas.microsoft.com/office/powerpoint/2010/main" id="1" dur="indefinite" restart="never" nodeType="tmRoot"/>
+      </p:par>
+    </p:tnLst>
+  </p:timing>
+</p:sld>
+</file>
+
+<file path=ppt/slides/slide16.xml><?xml version="1.0" encoding="utf-8"?>
+<p:sld xmlns:a="http://schemas.openxmlformats.org/drawingml/2006/main" xmlns:r="http://schemas.openxmlformats.org/officeDocument/2006/relationships" xmlns:p="http://schemas.openxmlformats.org/presentationml/2006/main">
+  <p:cSld>
+    <p:spTree>
+      <p:nvGrpSpPr>
+        <p:cNvPr id="1" name="Shape 188"/>
+        <p:cNvGrpSpPr/>
+        <p:nvPr/>
+      </p:nvGrpSpPr>
+      <p:grpSpPr>
+        <a:xfrm>
+          <a:off x="0" y="0"/>
+          <a:ext cx="0" cy="0"/>
+          <a:chOff x="0" y="0"/>
+          <a:chExt cx="0" cy="0"/>
+        </a:xfrm>
+      </p:grpSpPr>
+      <p:sp>
+        <p:nvSpPr>
+          <p:cNvPr id="189" name="Shape 189"/>
+          <p:cNvSpPr txBox="1">
+            <a:spLocks noGrp="1"/>
+          </p:cNvSpPr>
+          <p:nvPr>
+            <p:ph type="title"/>
+          </p:nvPr>
+        </p:nvSpPr>
+        <p:spPr>
+          <a:xfrm>
+            <a:off x="814275" y="392575"/>
+            <a:ext cx="5258400" cy="766200"/>
+          </a:xfrm>
+          <a:prstGeom prst="rect">
+            <a:avLst/>
+          </a:prstGeom>
+        </p:spPr>
+        <p:txBody>
+          <a:bodyPr wrap="square" lIns="91425" tIns="91425" rIns="91425" bIns="91425" anchor="ctr" anchorCtr="0">
+            <a:noAutofit/>
+          </a:bodyPr>
+          <a:lstStyle/>
+          <a:p>
+            <a:pPr lvl="0" rtl="0">
+              <a:spcBef>
+                <a:spcPts val="0"/>
+              </a:spcBef>
+              <a:buNone/>
+            </a:pPr>
+            <a:r>
+              <a:rPr lang="en-US" dirty="0" err="1" smtClean="0"/>
+              <a:t>BehaviorRelay</a:t>
+            </a:r>
+            <a:endParaRPr lang="en" dirty="0"/>
+          </a:p>
+        </p:txBody>
+      </p:sp>
+      <p:sp>
+        <p:nvSpPr>
+          <p:cNvPr id="192" name="Shape 192"/>
+          <p:cNvSpPr txBox="1">
+            <a:spLocks noGrp="1"/>
+          </p:cNvSpPr>
+          <p:nvPr>
+            <p:ph type="sldNum" idx="12"/>
+          </p:nvPr>
+        </p:nvSpPr>
+        <p:spPr>
+          <a:xfrm>
+            <a:off x="7618000" y="4636500"/>
+            <a:ext cx="1487400" cy="315600"/>
+          </a:xfrm>
+          <a:prstGeom prst="rect">
+            <a:avLst/>
+          </a:prstGeom>
+        </p:spPr>
+        <p:txBody>
+          <a:bodyPr wrap="square" lIns="91425" tIns="91425" rIns="91425" bIns="91425" anchor="ctr" anchorCtr="0">
+            <a:noAutofit/>
+          </a:bodyPr>
+          <a:lstStyle/>
+          <a:p>
+            <a:pPr lvl="0">
+              <a:spcBef>
+                <a:spcPts val="0"/>
+              </a:spcBef>
+              <a:buNone/>
+            </a:pPr>
+            <a:fld id="{00000000-1234-1234-1234-123412341234}" type="slidenum">
+              <a:rPr lang="en"/>
+              <a:t>16</a:t>
+            </a:fld>
+            <a:endParaRPr lang="en"/>
+          </a:p>
+        </p:txBody>
+      </p:sp>
+      <p:pic>
+        <p:nvPicPr>
+          <p:cNvPr id="2" name="Picture 1" descr="Rx_Logo_M.png"/>
+          <p:cNvPicPr>
+            <a:picLocks noChangeAspect="1"/>
+          </p:cNvPicPr>
+          <p:nvPr/>
+        </p:nvPicPr>
+        <p:blipFill>
+          <a:blip r:embed="rId3">
+            <a:extLst>
+              <a:ext uri="{28A0092B-C50C-407E-A947-70E740481C1C}">
+                <a14:useLocalDpi xmlns:a14="http://schemas.microsoft.com/office/drawing/2010/main" val="0"/>
+              </a:ext>
+            </a:extLst>
+          </a:blip>
+          <a:stretch>
+            <a:fillRect/>
+          </a:stretch>
+        </p:blipFill>
+        <p:spPr>
+          <a:xfrm>
+            <a:off x="151129" y="442005"/>
+            <a:ext cx="663146" cy="663146"/>
+          </a:xfrm>
+          <a:prstGeom prst="rect">
+            <a:avLst/>
+          </a:prstGeom>
+        </p:spPr>
+      </p:pic>
+      <p:sp>
+        <p:nvSpPr>
+          <p:cNvPr id="3" name="TextBox 2"/>
+          <p:cNvSpPr txBox="1"/>
+          <p:nvPr/>
+        </p:nvSpPr>
+        <p:spPr>
+          <a:xfrm>
+            <a:off x="86001" y="1386724"/>
+            <a:ext cx="8311289" cy="3046987"/>
+          </a:xfrm>
+          <a:prstGeom prst="rect">
+            <a:avLst/>
+          </a:prstGeom>
+          <a:noFill/>
+        </p:spPr>
+        <p:txBody>
+          <a:bodyPr wrap="none" rtlCol="0">
+            <a:spAutoFit/>
+          </a:bodyPr>
+          <a:lstStyle/>
+          <a:p>
+            <a:endParaRPr lang="en-US" sz="1200" dirty="0">
+              <a:latin typeface="Courier"/>
+              <a:cs typeface="Courier"/>
+            </a:endParaRPr>
+          </a:p>
+          <a:p>
+            <a:r>
+              <a:rPr lang="en-US" sz="1200" dirty="0">
+                <a:latin typeface="Courier"/>
+                <a:cs typeface="Courier"/>
+              </a:rPr>
+              <a:t>/// Initializes variable with initial value.</a:t>
+            </a:r>
+          </a:p>
+          <a:p>
+            <a:r>
+              <a:rPr lang="en-US" sz="1200" dirty="0">
+                <a:latin typeface="Courier"/>
+                <a:cs typeface="Courier"/>
+              </a:rPr>
+              <a:t>    public </a:t>
+            </a:r>
+            <a:r>
+              <a:rPr lang="en-US" sz="1200" dirty="0" err="1">
+                <a:latin typeface="Courier"/>
+                <a:cs typeface="Courier"/>
+              </a:rPr>
+              <a:t>init</a:t>
+            </a:r>
+            <a:r>
+              <a:rPr lang="en-US" sz="1200" dirty="0">
+                <a:latin typeface="Courier"/>
+                <a:cs typeface="Courier"/>
+              </a:rPr>
+              <a:t>(value: Element) {</a:t>
+            </a:r>
+          </a:p>
+          <a:p>
+            <a:r>
+              <a:rPr lang="en-US" sz="1200" dirty="0">
+                <a:latin typeface="Courier"/>
+                <a:cs typeface="Courier"/>
+              </a:rPr>
+              <a:t>        _subject = </a:t>
+            </a:r>
+            <a:r>
+              <a:rPr lang="en-US" sz="1200" dirty="0" err="1">
+                <a:latin typeface="Courier"/>
+                <a:cs typeface="Courier"/>
+              </a:rPr>
+              <a:t>BehaviorSubject</a:t>
+            </a:r>
+            <a:r>
+              <a:rPr lang="en-US" sz="1200" dirty="0">
+                <a:latin typeface="Courier"/>
+                <a:cs typeface="Courier"/>
+              </a:rPr>
+              <a:t>(value: value)</a:t>
+            </a:r>
+          </a:p>
+          <a:p>
+            <a:r>
+              <a:rPr lang="en-US" sz="1200" dirty="0">
+                <a:latin typeface="Courier"/>
+                <a:cs typeface="Courier"/>
+              </a:rPr>
+              <a:t>    }</a:t>
+            </a:r>
+          </a:p>
+          <a:p>
+            <a:endParaRPr lang="en-US" sz="1200" dirty="0">
+              <a:latin typeface="Courier"/>
+              <a:cs typeface="Courier"/>
+            </a:endParaRPr>
+          </a:p>
+          <a:p>
+            <a:r>
+              <a:rPr lang="en-US" sz="1200" dirty="0">
+                <a:latin typeface="Courier"/>
+                <a:cs typeface="Courier"/>
+              </a:rPr>
+              <a:t>    /// Subscribes observer</a:t>
+            </a:r>
+          </a:p>
+          <a:p>
+            <a:r>
+              <a:rPr lang="en-US" sz="1200" dirty="0">
+                <a:latin typeface="Courier"/>
+                <a:cs typeface="Courier"/>
+              </a:rPr>
+              <a:t>    public </a:t>
+            </a:r>
+            <a:r>
+              <a:rPr lang="en-US" sz="1200" dirty="0" err="1">
+                <a:latin typeface="Courier"/>
+                <a:cs typeface="Courier"/>
+              </a:rPr>
+              <a:t>func</a:t>
+            </a:r>
+            <a:r>
+              <a:rPr lang="en-US" sz="1200" dirty="0">
+                <a:latin typeface="Courier"/>
+                <a:cs typeface="Courier"/>
+              </a:rPr>
+              <a:t> subscribe&lt;O: </a:t>
+            </a:r>
+            <a:r>
+              <a:rPr lang="en-US" sz="1200" dirty="0" err="1">
+                <a:latin typeface="Courier"/>
+                <a:cs typeface="Courier"/>
+              </a:rPr>
+              <a:t>ObserverType</a:t>
+            </a:r>
+            <a:r>
+              <a:rPr lang="en-US" sz="1200" dirty="0">
+                <a:latin typeface="Courier"/>
+                <a:cs typeface="Courier"/>
+              </a:rPr>
+              <a:t>&gt;(_ observer: O) -&gt; Disposable where O.E == E {</a:t>
+            </a:r>
+          </a:p>
+          <a:p>
+            <a:r>
+              <a:rPr lang="en-US" sz="1200" dirty="0">
+                <a:latin typeface="Courier"/>
+                <a:cs typeface="Courier"/>
+              </a:rPr>
+              <a:t>        return _</a:t>
+            </a:r>
+            <a:r>
+              <a:rPr lang="en-US" sz="1200" dirty="0" err="1">
+                <a:latin typeface="Courier"/>
+                <a:cs typeface="Courier"/>
+              </a:rPr>
+              <a:t>subject.subscribe</a:t>
+            </a:r>
+            <a:r>
+              <a:rPr lang="en-US" sz="1200" dirty="0">
+                <a:latin typeface="Courier"/>
+                <a:cs typeface="Courier"/>
+              </a:rPr>
+              <a:t>(observer)</a:t>
+            </a:r>
+          </a:p>
+          <a:p>
+            <a:r>
+              <a:rPr lang="en-US" sz="1200" dirty="0">
+                <a:latin typeface="Courier"/>
+                <a:cs typeface="Courier"/>
+              </a:rPr>
+              <a:t>    }</a:t>
+            </a:r>
+          </a:p>
+          <a:p>
+            <a:endParaRPr lang="en-US" sz="1200" dirty="0">
+              <a:latin typeface="Courier"/>
+              <a:cs typeface="Courier"/>
+            </a:endParaRPr>
+          </a:p>
+          <a:p>
+            <a:r>
+              <a:rPr lang="en-US" sz="1200" dirty="0">
+                <a:latin typeface="Courier"/>
+                <a:cs typeface="Courier"/>
+              </a:rPr>
+              <a:t>    /// - returns: Canonical interface for push style sequence</a:t>
+            </a:r>
+          </a:p>
+          <a:p>
+            <a:r>
+              <a:rPr lang="en-US" sz="1200" dirty="0">
+                <a:latin typeface="Courier"/>
+                <a:cs typeface="Courier"/>
+              </a:rPr>
+              <a:t>    public </a:t>
+            </a:r>
+            <a:r>
+              <a:rPr lang="en-US" sz="1200" dirty="0" err="1">
+                <a:latin typeface="Courier"/>
+                <a:cs typeface="Courier"/>
+              </a:rPr>
+              <a:t>func</a:t>
+            </a:r>
+            <a:r>
+              <a:rPr lang="en-US" sz="1200" dirty="0">
+                <a:latin typeface="Courier"/>
+                <a:cs typeface="Courier"/>
+              </a:rPr>
+              <a:t> </a:t>
+            </a:r>
+            <a:r>
+              <a:rPr lang="en-US" sz="1200" dirty="0" err="1">
+                <a:latin typeface="Courier"/>
+                <a:cs typeface="Courier"/>
+              </a:rPr>
+              <a:t>asObservable</a:t>
+            </a:r>
+            <a:r>
+              <a:rPr lang="en-US" sz="1200" dirty="0">
+                <a:latin typeface="Courier"/>
+                <a:cs typeface="Courier"/>
+              </a:rPr>
+              <a:t>() -&gt; Observable&lt;Element&gt; {</a:t>
+            </a:r>
+          </a:p>
+          <a:p>
+            <a:r>
+              <a:rPr lang="en-US" sz="1200" dirty="0">
+                <a:latin typeface="Courier"/>
+                <a:cs typeface="Courier"/>
+              </a:rPr>
+              <a:t>        return _</a:t>
+            </a:r>
+            <a:r>
+              <a:rPr lang="en-US" sz="1200" dirty="0" err="1">
+                <a:latin typeface="Courier"/>
+                <a:cs typeface="Courier"/>
+              </a:rPr>
+              <a:t>subject.asObservable</a:t>
+            </a:r>
+            <a:r>
+              <a:rPr lang="en-US" sz="1200" dirty="0">
+                <a:latin typeface="Courier"/>
+                <a:cs typeface="Courier"/>
+              </a:rPr>
+              <a:t>()</a:t>
+            </a:r>
+          </a:p>
+          <a:p>
+            <a:r>
+              <a:rPr lang="en-US" sz="1200" dirty="0">
+                <a:latin typeface="Courier"/>
+                <a:cs typeface="Courier"/>
+              </a:rPr>
+              <a:t>    }</a:t>
+            </a:r>
+          </a:p>
+          <a:p>
+            <a:r>
+              <a:rPr lang="en-US" sz="1200" dirty="0">
+                <a:latin typeface="Courier"/>
+                <a:cs typeface="Courier"/>
+              </a:rPr>
+              <a:t>}</a:t>
+            </a:r>
+          </a:p>
+        </p:txBody>
+      </p:sp>
+    </p:spTree>
+    <p:extLst>
+      <p:ext uri="{BB962C8B-B14F-4D97-AF65-F5344CB8AC3E}">
+        <p14:creationId xmlns:p14="http://schemas.microsoft.com/office/powerpoint/2010/main" val="2611765765"/>
+      </p:ext>
+    </p:extLst>
+  </p:cSld>
+  <p:clrMapOvr>
+    <a:masterClrMapping/>
+  </p:clrMapOvr>
+  <p:timing>
+    <p:tnLst>
+      <p:par>
+        <p:cTn xmlns:p14="http://schemas.microsoft.com/office/powerpoint/2010/main" id="1" dur="indefinite" restart="never" nodeType="tmRoot"/>
+      </p:par>
+    </p:tnLst>
+  </p:timing>
+</p:sld>
+</file>
+
 <file path=ppt/slides/slide2.xml><?xml version="1.0" encoding="utf-8"?>
 <p:sld xmlns:a="http://schemas.openxmlformats.org/drawingml/2006/main" xmlns:r="http://schemas.openxmlformats.org/officeDocument/2006/relationships" xmlns:p="http://schemas.openxmlformats.org/presentationml/2006/main">
   <p:cSld>
@@ -6788,9 +7914,6 @@
               </a:rPr>
               <a:t>, preserves its current value as state, and replays only the latest/initial value to new subscribers.</a:t>
             </a:r>
-            <a:endParaRPr lang="en-US" sz="1400" dirty="0">
-              <a:latin typeface="+mj-lt"/>
-            </a:endParaRPr>
           </a:p>
         </p:txBody>
       </p:sp>
